--- a/杨派形容词.pptx
+++ b/杨派形容词.pptx
@@ -6,7 +6,7 @@
     <p:sldMasterId id="2147483662" r:id="rId2"/>
   </p:sldMasterIdLst>
   <p:notesMasterIdLst>
-    <p:notesMasterId r:id="rId20"/>
+    <p:notesMasterId r:id="rId19"/>
   </p:notesMasterIdLst>
   <p:sldIdLst>
     <p:sldId id="257" r:id="rId3"/>
@@ -19,18 +19,17 @@
     <p:sldId id="553" r:id="rId10"/>
     <p:sldId id="554" r:id="rId11"/>
     <p:sldId id="560" r:id="rId12"/>
-    <p:sldId id="561" r:id="rId13"/>
-    <p:sldId id="562" r:id="rId14"/>
-    <p:sldId id="567" r:id="rId15"/>
-    <p:sldId id="564" r:id="rId16"/>
-    <p:sldId id="565" r:id="rId17"/>
-    <p:sldId id="568" r:id="rId18"/>
-    <p:sldId id="541" r:id="rId19"/>
+    <p:sldId id="565" r:id="rId13"/>
+    <p:sldId id="568" r:id="rId14"/>
+    <p:sldId id="561" r:id="rId15"/>
+    <p:sldId id="562" r:id="rId16"/>
+    <p:sldId id="567" r:id="rId17"/>
+    <p:sldId id="541" r:id="rId18"/>
   </p:sldIdLst>
   <p:sldSz cx="12192000" cy="6858000"/>
   <p:notesSz cx="6858000" cy="9144000"/>
   <p:custDataLst>
-    <p:tags r:id="rId21"/>
+    <p:tags r:id="rId20"/>
   </p:custDataLst>
   <p:defaultTextStyle>
     <a:defPPr>
@@ -217,7 +216,7 @@
           <a:p>
             <a:fld id="{45FEE52C-A972-4FD9-96BD-3D978D0680E1}" type="datetimeFigureOut">
               <a:rPr lang="zh-CN" altLang="en-US" smtClean="0"/>
-              <a:t>2023/5/19/Fri</a:t>
+              <a:t>2023/6/26</a:t>
             </a:fld>
             <a:endParaRPr lang="zh-CN" altLang="en-US"/>
           </a:p>
@@ -709,6 +708,11 @@
         </p:txBody>
       </p:sp>
     </p:spTree>
+    <p:extLst>
+      <p:ext uri="{BB962C8B-B14F-4D97-AF65-F5344CB8AC3E}">
+        <p14:creationId xmlns:p14="http://schemas.microsoft.com/office/powerpoint/2010/main" val="3021649734"/>
+      </p:ext>
+    </p:extLst>
   </p:cSld>
   <p:clrMapOvr>
     <a:masterClrMapping/>
@@ -788,6 +792,11 @@
         </p:txBody>
       </p:sp>
     </p:spTree>
+    <p:extLst>
+      <p:ext uri="{BB962C8B-B14F-4D97-AF65-F5344CB8AC3E}">
+        <p14:creationId xmlns:p14="http://schemas.microsoft.com/office/powerpoint/2010/main" val="485489682"/>
+      </p:ext>
+    </p:extLst>
   </p:cSld>
   <p:clrMapOvr>
     <a:masterClrMapping/>
@@ -1098,85 +1107,6 @@
             <a:fld id="{04576A38-2C26-4DF6-8F1C-F22877A7ADF6}" type="slidenum">
               <a:rPr lang="zh-CN" altLang="en-US" smtClean="0"/>
               <a:t>16</a:t>
-            </a:fld>
-            <a:endParaRPr lang="zh-CN" altLang="en-US"/>
-          </a:p>
-        </p:txBody>
-      </p:sp>
-    </p:spTree>
-  </p:cSld>
-  <p:clrMapOvr>
-    <a:masterClrMapping/>
-  </p:clrMapOvr>
-</p:notes>
-</file>
-
-<file path=ppt/notesSlides/notesSlide17.xml><?xml version="1.0" encoding="utf-8"?>
-<p:notes xmlns:a="http://schemas.openxmlformats.org/drawingml/2006/main" xmlns:r="http://schemas.openxmlformats.org/officeDocument/2006/relationships" xmlns:p="http://schemas.openxmlformats.org/presentationml/2006/main">
-  <p:cSld>
-    <p:spTree>
-      <p:nvGrpSpPr>
-        <p:cNvPr id="1" name=""/>
-        <p:cNvGrpSpPr/>
-        <p:nvPr/>
-      </p:nvGrpSpPr>
-      <p:grpSpPr>
-        <a:xfrm>
-          <a:off x="0" y="0"/>
-          <a:ext cx="0" cy="0"/>
-          <a:chOff x="0" y="0"/>
-          <a:chExt cx="0" cy="0"/>
-        </a:xfrm>
-      </p:grpSpPr>
-      <p:sp>
-        <p:nvSpPr>
-          <p:cNvPr id="2" name="幻灯片图像占位符 1"/>
-          <p:cNvSpPr>
-            <a:spLocks noGrp="1" noRot="1" noChangeAspect="1"/>
-          </p:cNvSpPr>
-          <p:nvPr>
-            <p:ph type="sldImg"/>
-          </p:nvPr>
-        </p:nvSpPr>
-        <p:spPr/>
-      </p:sp>
-      <p:sp>
-        <p:nvSpPr>
-          <p:cNvPr id="3" name="备注占位符 2"/>
-          <p:cNvSpPr>
-            <a:spLocks noGrp="1"/>
-          </p:cNvSpPr>
-          <p:nvPr>
-            <p:ph type="body" idx="1"/>
-          </p:nvPr>
-        </p:nvSpPr>
-        <p:spPr/>
-        <p:txBody>
-          <a:bodyPr/>
-          <a:lstStyle/>
-          <a:p>
-            <a:endParaRPr lang="zh-CN" altLang="en-US"/>
-          </a:p>
-        </p:txBody>
-      </p:sp>
-      <p:sp>
-        <p:nvSpPr>
-          <p:cNvPr id="4" name="灯片编号占位符 3"/>
-          <p:cNvSpPr>
-            <a:spLocks noGrp="1"/>
-          </p:cNvSpPr>
-          <p:nvPr>
-            <p:ph type="sldNum" sz="quarter" idx="5"/>
-          </p:nvPr>
-        </p:nvSpPr>
-        <p:spPr/>
-        <p:txBody>
-          <a:bodyPr/>
-          <a:lstStyle/>
-          <a:p>
-            <a:fld id="{04576A38-2C26-4DF6-8F1C-F22877A7ADF6}" type="slidenum">
-              <a:rPr lang="zh-CN" altLang="en-US" smtClean="0"/>
-              <a:t>17</a:t>
             </a:fld>
             <a:endParaRPr lang="zh-CN" altLang="en-US"/>
           </a:p>
@@ -1951,7 +1881,7 @@
           <a:p>
             <a:fld id="{B3BB5934-DBEF-4138-8D30-452AD221FE96}" type="datetimeFigureOut">
               <a:rPr lang="zh-CN" altLang="en-US" smtClean="0"/>
-              <a:t>2023/5/19/Fri</a:t>
+              <a:t>2023/6/26</a:t>
             </a:fld>
             <a:endParaRPr lang="zh-CN" altLang="en-US"/>
           </a:p>
@@ -2126,7 +2056,7 @@
           <a:p>
             <a:fld id="{B3BB5934-DBEF-4138-8D30-452AD221FE96}" type="datetimeFigureOut">
               <a:rPr lang="zh-CN" altLang="en-US" smtClean="0"/>
-              <a:t>2023/5/19/Fri</a:t>
+              <a:t>2023/6/26</a:t>
             </a:fld>
             <a:endParaRPr lang="zh-CN" altLang="en-US"/>
           </a:p>
@@ -2311,7 +2241,7 @@
           <a:p>
             <a:fld id="{B3BB5934-DBEF-4138-8D30-452AD221FE96}" type="datetimeFigureOut">
               <a:rPr lang="zh-CN" altLang="en-US" smtClean="0"/>
-              <a:t>2023/5/19/Fri</a:t>
+              <a:t>2023/6/26</a:t>
             </a:fld>
             <a:endParaRPr lang="zh-CN" altLang="en-US"/>
           </a:p>
@@ -3041,7 +2971,7 @@
           <a:p>
             <a:fld id="{B3BB5934-DBEF-4138-8D30-452AD221FE96}" type="datetimeFigureOut">
               <a:rPr lang="zh-CN" altLang="en-US" smtClean="0"/>
-              <a:t>2023/5/19/Fri</a:t>
+              <a:t>2023/6/26</a:t>
             </a:fld>
             <a:endParaRPr lang="zh-CN" altLang="en-US"/>
           </a:p>
@@ -3216,7 +3146,7 @@
           <a:p>
             <a:fld id="{B3BB5934-DBEF-4138-8D30-452AD221FE96}" type="datetimeFigureOut">
               <a:rPr lang="zh-CN" altLang="en-US" smtClean="0"/>
-              <a:t>2023/5/19/Fri</a:t>
+              <a:t>2023/6/26</a:t>
             </a:fld>
             <a:endParaRPr lang="zh-CN" altLang="en-US"/>
           </a:p>
@@ -3468,7 +3398,7 @@
           <a:p>
             <a:fld id="{B3BB5934-DBEF-4138-8D30-452AD221FE96}" type="datetimeFigureOut">
               <a:rPr lang="zh-CN" altLang="en-US" smtClean="0"/>
-              <a:t>2023/5/19/Fri</a:t>
+              <a:t>2023/6/26</a:t>
             </a:fld>
             <a:endParaRPr lang="zh-CN" altLang="en-US"/>
           </a:p>
@@ -3704,7 +3634,7 @@
           <a:p>
             <a:fld id="{B3BB5934-DBEF-4138-8D30-452AD221FE96}" type="datetimeFigureOut">
               <a:rPr lang="zh-CN" altLang="en-US" smtClean="0"/>
-              <a:t>2023/5/19/Fri</a:t>
+              <a:t>2023/6/26</a:t>
             </a:fld>
             <a:endParaRPr lang="zh-CN" altLang="en-US"/>
           </a:p>
@@ -4075,7 +4005,7 @@
           <a:p>
             <a:fld id="{B3BB5934-DBEF-4138-8D30-452AD221FE96}" type="datetimeFigureOut">
               <a:rPr lang="zh-CN" altLang="en-US" smtClean="0"/>
-              <a:t>2023/5/19/Fri</a:t>
+              <a:t>2023/6/26</a:t>
             </a:fld>
             <a:endParaRPr lang="zh-CN" altLang="en-US"/>
           </a:p>
@@ -4199,7 +4129,7 @@
           <a:p>
             <a:fld id="{B3BB5934-DBEF-4138-8D30-452AD221FE96}" type="datetimeFigureOut">
               <a:rPr lang="zh-CN" altLang="en-US" smtClean="0"/>
-              <a:t>2023/5/19/Fri</a:t>
+              <a:t>2023/6/26</a:t>
             </a:fld>
             <a:endParaRPr lang="zh-CN" altLang="en-US"/>
           </a:p>
@@ -4374,7 +4304,7 @@
           <a:p>
             <a:fld id="{B3BB5934-DBEF-4138-8D30-452AD221FE96}" type="datetimeFigureOut">
               <a:rPr lang="zh-CN" altLang="en-US" smtClean="0"/>
-              <a:t>2023/5/19/Fri</a:t>
+              <a:t>2023/6/26</a:t>
             </a:fld>
             <a:endParaRPr lang="zh-CN" altLang="en-US"/>
           </a:p>
@@ -4476,7 +4406,7 @@
           <a:p>
             <a:fld id="{B3BB5934-DBEF-4138-8D30-452AD221FE96}" type="datetimeFigureOut">
               <a:rPr lang="zh-CN" altLang="en-US" smtClean="0"/>
-              <a:t>2023/5/19/Fri</a:t>
+              <a:t>2023/6/26</a:t>
             </a:fld>
             <a:endParaRPr lang="zh-CN" altLang="en-US"/>
           </a:p>
@@ -4758,7 +4688,7 @@
           <a:p>
             <a:fld id="{B3BB5934-DBEF-4138-8D30-452AD221FE96}" type="datetimeFigureOut">
               <a:rPr lang="zh-CN" altLang="en-US" smtClean="0"/>
-              <a:t>2023/5/19/Fri</a:t>
+              <a:t>2023/6/26</a:t>
             </a:fld>
             <a:endParaRPr lang="zh-CN" altLang="en-US"/>
           </a:p>
@@ -5017,7 +4947,7 @@
           <a:p>
             <a:fld id="{B3BB5934-DBEF-4138-8D30-452AD221FE96}" type="datetimeFigureOut">
               <a:rPr lang="zh-CN" altLang="en-US" smtClean="0"/>
-              <a:t>2023/5/19/Fri</a:t>
+              <a:t>2023/6/26</a:t>
             </a:fld>
             <a:endParaRPr lang="zh-CN" altLang="en-US"/>
           </a:p>
@@ -5192,7 +5122,7 @@
           <a:p>
             <a:fld id="{B3BB5934-DBEF-4138-8D30-452AD221FE96}" type="datetimeFigureOut">
               <a:rPr lang="zh-CN" altLang="en-US" smtClean="0"/>
-              <a:t>2023/5/19/Fri</a:t>
+              <a:t>2023/6/26</a:t>
             </a:fld>
             <a:endParaRPr lang="zh-CN" altLang="en-US"/>
           </a:p>
@@ -5377,7 +5307,7 @@
           <a:p>
             <a:fld id="{B3BB5934-DBEF-4138-8D30-452AD221FE96}" type="datetimeFigureOut">
               <a:rPr lang="zh-CN" altLang="en-US" smtClean="0"/>
-              <a:t>2023/5/19/Fri</a:t>
+              <a:t>2023/6/26</a:t>
             </a:fld>
             <a:endParaRPr lang="zh-CN" altLang="en-US"/>
           </a:p>
@@ -6162,7 +6092,7 @@
           <a:p>
             <a:fld id="{B3BB5934-DBEF-4138-8D30-452AD221FE96}" type="datetimeFigureOut">
               <a:rPr lang="zh-CN" altLang="en-US" smtClean="0"/>
-              <a:t>2023/5/19/Fri</a:t>
+              <a:t>2023/6/26</a:t>
             </a:fld>
             <a:endParaRPr lang="zh-CN" altLang="en-US"/>
           </a:p>
@@ -6398,7 +6328,7 @@
           <a:p>
             <a:fld id="{B3BB5934-DBEF-4138-8D30-452AD221FE96}" type="datetimeFigureOut">
               <a:rPr lang="zh-CN" altLang="en-US" smtClean="0"/>
-              <a:t>2023/5/19/Fri</a:t>
+              <a:t>2023/6/26</a:t>
             </a:fld>
             <a:endParaRPr lang="zh-CN" altLang="en-US"/>
           </a:p>
@@ -6769,7 +6699,7 @@
           <a:p>
             <a:fld id="{B3BB5934-DBEF-4138-8D30-452AD221FE96}" type="datetimeFigureOut">
               <a:rPr lang="zh-CN" altLang="en-US" smtClean="0"/>
-              <a:t>2023/5/19/Fri</a:t>
+              <a:t>2023/6/26</a:t>
             </a:fld>
             <a:endParaRPr lang="zh-CN" altLang="en-US"/>
           </a:p>
@@ -6893,7 +6823,7 @@
           <a:p>
             <a:fld id="{B3BB5934-DBEF-4138-8D30-452AD221FE96}" type="datetimeFigureOut">
               <a:rPr lang="zh-CN" altLang="en-US" smtClean="0"/>
-              <a:t>2023/5/19/Fri</a:t>
+              <a:t>2023/6/26</a:t>
             </a:fld>
             <a:endParaRPr lang="zh-CN" altLang="en-US"/>
           </a:p>
@@ -6995,7 +6925,7 @@
           <a:p>
             <a:fld id="{B3BB5934-DBEF-4138-8D30-452AD221FE96}" type="datetimeFigureOut">
               <a:rPr lang="zh-CN" altLang="en-US" smtClean="0"/>
-              <a:t>2023/5/19/Fri</a:t>
+              <a:t>2023/6/26</a:t>
             </a:fld>
             <a:endParaRPr lang="zh-CN" altLang="en-US"/>
           </a:p>
@@ -7277,7 +7207,7 @@
           <a:p>
             <a:fld id="{B3BB5934-DBEF-4138-8D30-452AD221FE96}" type="datetimeFigureOut">
               <a:rPr lang="zh-CN" altLang="en-US" smtClean="0"/>
-              <a:t>2023/5/19/Fri</a:t>
+              <a:t>2023/6/26</a:t>
             </a:fld>
             <a:endParaRPr lang="zh-CN" altLang="en-US"/>
           </a:p>
@@ -7536,7 +7466,7 @@
           <a:p>
             <a:fld id="{B3BB5934-DBEF-4138-8D30-452AD221FE96}" type="datetimeFigureOut">
               <a:rPr lang="zh-CN" altLang="en-US" smtClean="0"/>
-              <a:t>2023/5/19/Fri</a:t>
+              <a:t>2023/6/26</a:t>
             </a:fld>
             <a:endParaRPr lang="zh-CN" altLang="en-US"/>
           </a:p>
@@ -7754,7 +7684,7 @@
           <a:p>
             <a:fld id="{B3BB5934-DBEF-4138-8D30-452AD221FE96}" type="datetimeFigureOut">
               <a:rPr lang="zh-CN" altLang="en-US" smtClean="0"/>
-              <a:t>2023/5/19/Fri</a:t>
+              <a:t>2023/6/26</a:t>
             </a:fld>
             <a:endParaRPr lang="zh-CN" altLang="en-US"/>
           </a:p>
@@ -8301,7 +8231,7 @@
           <a:p>
             <a:fld id="{B3BB5934-DBEF-4138-8D30-452AD221FE96}" type="datetimeFigureOut">
               <a:rPr lang="zh-CN" altLang="en-US" smtClean="0"/>
-              <a:t>2023/5/19/Fri</a:t>
+              <a:t>2023/6/26</a:t>
             </a:fld>
             <a:endParaRPr lang="zh-CN" altLang="en-US"/>
           </a:p>
@@ -9337,12 +9267,12 @@
           <a:lstStyle/>
           <a:p>
             <a:r>
-              <a:rPr lang="zh-CN" altLang="en-US">
+              <a:rPr lang="zh-CN" altLang="en-US" dirty="0">
                 <a:sym typeface="+mn-ea"/>
               </a:rPr>
               <a:t>单个形容词作状语主要是表示方式，大多是un ~ed形式的形容词。例如:</a:t>
             </a:r>
-            <a:endParaRPr lang="zh-CN" altLang="en-US"/>
+            <a:endParaRPr lang="zh-CN" altLang="en-US" dirty="0"/>
           </a:p>
         </p:txBody>
       </p:sp>
@@ -9435,7 +9365,7 @@
               <a:rPr lang="zh-CN" altLang="en-US" sz="2400" b="1" dirty="0">
                 <a:sym typeface="+mn-ea"/>
               </a:rPr>
-              <a:t>The signal waveform is transmitted undistorted so long as the instantaneous amplitude（振幅）  remainssmaller than the bias voltages（偏压）.</a:t>
+              <a:t>The signal waveform is transmitted undistorted so long as the instantaneous amplitude（振幅）  remains smaller than the bias voltages（偏压）.</a:t>
             </a:r>
           </a:p>
         </p:txBody>
@@ -10160,7 +10090,7 @@
                 <a:cs typeface="+mn-lt"/>
                 <a:sym typeface="+mn-ea"/>
               </a:rPr>
-              <a:t>03 </a:t>
+              <a:t>02 </a:t>
             </a:r>
             <a:r>
               <a:rPr lang="zh-CN" altLang="en-US" sz="2800" b="1" noProof="0" dirty="0">
@@ -10176,21 +10106,36 @@
                 <a:latin typeface="+mn-ea"/>
                 <a:sym typeface="+mn-ea"/>
               </a:rPr>
-              <a:t>形容词短语做后置定语</a:t>
-            </a:r>
-          </a:p>
-        </p:txBody>
-      </p:sp>
-      <p:sp>
-        <p:nvSpPr>
-          <p:cNvPr id="9" name="文本框 8"/>
+              <a:t>形容词做状语</a:t>
+            </a:r>
+            <a:endParaRPr kumimoji="0" lang="zh-CN" altLang="en-US" sz="2800" b="1" i="0" u="none" strike="noStrike" kern="1200" cap="none" spc="0" normalizeH="0" baseline="0" noProof="0" dirty="0">
+              <a:ln>
+                <a:noFill/>
+              </a:ln>
+              <a:solidFill>
+                <a:schemeClr val="tx1">
+                  <a:lumMod val="85000"/>
+                  <a:lumOff val="15000"/>
+                </a:schemeClr>
+              </a:solidFill>
+              <a:effectLst/>
+              <a:uLnTx/>
+              <a:uFillTx/>
+              <a:cs typeface="+mn-lt"/>
+            </a:endParaRPr>
+          </a:p>
+        </p:txBody>
+      </p:sp>
+      <p:sp>
+        <p:nvSpPr>
+          <p:cNvPr id="4" name="文本框 3"/>
           <p:cNvSpPr txBox="1"/>
           <p:nvPr/>
         </p:nvSpPr>
         <p:spPr>
           <a:xfrm>
-            <a:off x="1447800" y="2060575"/>
-            <a:ext cx="9709150" cy="3415030"/>
+            <a:off x="1324610" y="1236345"/>
+            <a:ext cx="8499475" cy="1092200"/>
           </a:xfrm>
           <a:prstGeom prst="rect">
             <a:avLst/>
@@ -10199,72 +10144,92 @@
         </p:spPr>
         <p:txBody>
           <a:bodyPr wrap="square" rtlCol="0">
+            <a:noAutofit/>
+          </a:bodyPr>
+          <a:lstStyle/>
+          <a:p>
+            <a:r>
+              <a:rPr lang="zh-CN" altLang="en-US" dirty="0">
+                <a:sym typeface="+mn-ea"/>
+              </a:rPr>
+              <a:t>处于句尾时,可以表示附加说明或对前面句子的评述，更多的是作方式状语。例如:</a:t>
+            </a:r>
+          </a:p>
+        </p:txBody>
+      </p:sp>
+      <p:sp>
+        <p:nvSpPr>
+          <p:cNvPr id="9" name="文本框 8"/>
+          <p:cNvSpPr txBox="1"/>
+          <p:nvPr/>
+        </p:nvSpPr>
+        <p:spPr>
+          <a:xfrm>
+            <a:off x="1447800" y="2060575"/>
+            <a:ext cx="9709150" cy="2676525"/>
+          </a:xfrm>
+          <a:prstGeom prst="rect">
+            <a:avLst/>
+          </a:prstGeom>
+          <a:noFill/>
+        </p:spPr>
+        <p:txBody>
+          <a:bodyPr wrap="square" rtlCol="0">
             <a:spAutoFit/>
           </a:bodyPr>
           <a:lstStyle/>
           <a:p>
             <a:r>
-              <a:rPr lang="zh-CN" altLang="en-US" sz="2400" b="1">
+              <a:rPr lang="zh-CN" altLang="en-US" sz="2400" b="1" dirty="0">
                 <a:sym typeface="+mn-ea"/>
               </a:rPr>
-              <a:t>这种情况的一个例子是平行于地球表面的运动。</a:t>
-            </a:r>
-          </a:p>
-          <a:p>
-            <a:r>
-              <a:rPr lang="zh-CN" altLang="en-US" sz="2400" b="1">
+              <a:t>必须仔细考虑效率问题,要使其兼顾系统的其他要求。</a:t>
+            </a:r>
+          </a:p>
+          <a:p>
+            <a:r>
+              <a:rPr lang="zh-CN" altLang="en-US" sz="2400" b="1" dirty="0">
                 <a:sym typeface="+mn-ea"/>
               </a:rPr>
-              <a:t>An example of this is the motion parallel（平行） to the surface of the earth.</a:t>
-            </a:r>
-          </a:p>
-          <a:p>
-            <a:r>
-              <a:rPr lang="zh-CN" altLang="en-US" sz="2400" b="1">
-                <a:sym typeface="+mn-ea"/>
-              </a:rPr>
-              <a:t>在测量远短于一秒的时间间隔时，就采用十进制。</a:t>
-            </a:r>
-          </a:p>
-          <a:p>
-            <a:r>
-              <a:rPr lang="zh-CN" altLang="en-US" sz="2400" b="1">
-                <a:sym typeface="+mn-ea"/>
-              </a:rPr>
-              <a:t>In the measurement of time intervals much shorter than a second,the decimal system is used.</a:t>
-            </a:r>
-          </a:p>
-          <a:p>
-            <a:r>
-              <a:rPr lang="zh-CN" altLang="en-US" sz="2400" b="1">
-                <a:sym typeface="+mn-ea"/>
-              </a:rPr>
-              <a:t>必须使用精确到百万分之几秒的定时方法。</a:t>
-            </a:r>
-          </a:p>
-          <a:p>
-            <a:r>
-              <a:rPr lang="zh-CN" altLang="en-US" sz="2400" b="1">
-                <a:sym typeface="+mn-ea"/>
-              </a:rPr>
-              <a:t>A method of timing accurate to a few millionths of second is</a:t>
-            </a:r>
-            <a:r>
-              <a:rPr lang="en-US" altLang="zh-CN" sz="2400" b="1">
+              <a:t>The efficiency must be carefully considered, consistent with the other</a:t>
+            </a:r>
+            <a:r>
+              <a:rPr lang="en-US" altLang="zh-CN" sz="2400" b="1" dirty="0">
                 <a:sym typeface="+mn-ea"/>
               </a:rPr>
               <a:t> </a:t>
             </a:r>
             <a:r>
-              <a:rPr lang="zh-CN" altLang="en-US" sz="2400" b="1">
+              <a:rPr lang="zh-CN" altLang="en-US" sz="2400" b="1" dirty="0">
                 <a:sym typeface="+mn-ea"/>
               </a:rPr>
-              <a:t>necessary.</a:t>
+              <a:t>requirements of the system.(形容词短语在此附加说明)</a:t>
+            </a:r>
+          </a:p>
+          <a:p>
+            <a:r>
+              <a:rPr lang="zh-CN" altLang="en-US" sz="2400" b="1" dirty="0">
+                <a:sym typeface="+mn-ea"/>
+              </a:rPr>
+              <a:t>在这种情况下,该球只是以相切于( tangential to )其以前路径的方向向前运动。</a:t>
+            </a:r>
+          </a:p>
+          <a:p>
+            <a:r>
+              <a:rPr lang="zh-CN" altLang="en-US" sz="2400" b="1" dirty="0">
+                <a:sym typeface="+mn-ea"/>
+              </a:rPr>
+              <a:t>In this case the ball simply proceeds tangential（相切） to its former path. (形容词短语作方式状语修饰动词“proceeds")</a:t>
             </a:r>
           </a:p>
         </p:txBody>
       </p:sp>
     </p:spTree>
+    <p:extLst>
+      <p:ext uri="{BB962C8B-B14F-4D97-AF65-F5344CB8AC3E}">
+        <p14:creationId xmlns:p14="http://schemas.microsoft.com/office/powerpoint/2010/main" val="4130445434"/>
+      </p:ext>
+    </p:extLst>
   </p:cSld>
   <p:clrMapOvr>
     <a:masterClrMapping/>
@@ -10533,128 +10498,6 @@
                       </p:childTnLst>
                     </p:cTn>
                   </p:par>
-                  <p:par>
-                    <p:cTn id="23" fill="hold">
-                      <p:stCondLst>
-                        <p:cond delay="indefinite"/>
-                      </p:stCondLst>
-                      <p:childTnLst>
-                        <p:par>
-                          <p:cTn id="24" fill="hold">
-                            <p:stCondLst>
-                              <p:cond delay="0"/>
-                            </p:stCondLst>
-                            <p:childTnLst>
-                              <p:par>
-                                <p:cTn id="25" presetID="3" presetClass="entr" presetSubtype="10" fill="hold" nodeType="clickEffect">
-                                  <p:stCondLst>
-                                    <p:cond delay="0"/>
-                                  </p:stCondLst>
-                                  <p:childTnLst>
-                                    <p:set>
-                                      <p:cBhvr>
-                                        <p:cTn id="26" dur="1" fill="hold">
-                                          <p:stCondLst>
-                                            <p:cond delay="0"/>
-                                          </p:stCondLst>
-                                        </p:cTn>
-                                        <p:tgtEl>
-                                          <p:spTgt spid="9">
-                                            <p:txEl>
-                                              <p:pRg st="5" end="5"/>
-                                            </p:txEl>
-                                          </p:spTgt>
-                                        </p:tgtEl>
-                                        <p:attrNameLst>
-                                          <p:attrName>style.visibility</p:attrName>
-                                        </p:attrNameLst>
-                                      </p:cBhvr>
-                                      <p:to>
-                                        <p:strVal val="visible"/>
-                                      </p:to>
-                                    </p:set>
-                                    <p:animEffect transition="in" filter="blinds(horizontal)">
-                                      <p:cBhvr>
-                                        <p:cTn id="27" dur="500"/>
-                                        <p:tgtEl>
-                                          <p:spTgt spid="9">
-                                            <p:txEl>
-                                              <p:pRg st="5" end="5"/>
-                                            </p:txEl>
-                                          </p:spTgt>
-                                        </p:tgtEl>
-                                      </p:cBhvr>
-                                    </p:animEffect>
-                                  </p:childTnLst>
-                                </p:cTn>
-                              </p:par>
-                            </p:childTnLst>
-                          </p:cTn>
-                        </p:par>
-                      </p:childTnLst>
-                    </p:cTn>
-                  </p:par>
-                  <p:par>
-                    <p:cTn id="28" fill="hold">
-                      <p:stCondLst>
-                        <p:cond delay="indefinite"/>
-                      </p:stCondLst>
-                      <p:childTnLst>
-                        <p:par>
-                          <p:cTn id="29" fill="hold">
-                            <p:stCondLst>
-                              <p:cond delay="0"/>
-                            </p:stCondLst>
-                            <p:childTnLst>
-                              <p:par>
-                                <p:cTn id="30" presetID="3" presetClass="entr" presetSubtype="10" fill="hold" nodeType="clickEffect">
-                                  <p:stCondLst>
-                                    <p:cond delay="0"/>
-                                  </p:stCondLst>
-                                  <p:childTnLst>
-                                    <p:set>
-                                      <p:cBhvr>
-                                        <p:cTn id="31" dur="1" fill="hold">
-                                          <p:stCondLst>
-                                            <p:cond delay="0"/>
-                                          </p:stCondLst>
-                                        </p:cTn>
-                                        <p:tgtEl>
-                                          <p:spTgt spid="9">
-                                            <p:txEl>
-                                              <p:pRg st="4" end="4"/>
-                                            </p:txEl>
-                                          </p:spTgt>
-                                        </p:tgtEl>
-                                        <p:attrNameLst>
-                                          <p:attrName>style.visibility</p:attrName>
-                                        </p:attrNameLst>
-                                      </p:cBhvr>
-                                      <p:to>
-                                        <p:strVal val="visible"/>
-                                      </p:to>
-                                    </p:set>
-                                    <p:animEffect transition="in" filter="blinds(horizontal)">
-                                      <p:cBhvr>
-                                        <p:cTn id="32" dur="500"/>
-                                        <p:tgtEl>
-                                          <p:spTgt spid="9">
-                                            <p:txEl>
-                                              <p:pRg st="4" end="4"/>
-                                            </p:txEl>
-                                          </p:spTgt>
-                                        </p:tgtEl>
-                                      </p:cBhvr>
-                                    </p:animEffect>
-                                  </p:childTnLst>
-                                </p:cTn>
-                              </p:par>
-                            </p:childTnLst>
-                          </p:cTn>
-                        </p:par>
-                      </p:childTnLst>
-                    </p:cTn>
-                  </p:par>
                 </p:childTnLst>
               </p:cTn>
               <p:prevCondLst>
@@ -10878,7 +10721,7 @@
                 <a:latin typeface="+mn-ea"/>
                 <a:sym typeface="+mn-ea"/>
               </a:rPr>
-              <a:t>形容词短语做状语</a:t>
+              <a:t>形容词做状语</a:t>
             </a:r>
             <a:endParaRPr kumimoji="0" lang="zh-CN" altLang="en-US" sz="2800" b="1" i="0" u="none" strike="noStrike" kern="1200" cap="none" spc="0" normalizeH="0" baseline="0" noProof="0" dirty="0">
               <a:ln>
@@ -10924,7 +10767,7 @@
               <a:rPr lang="zh-CN" altLang="en-US">
                 <a:sym typeface="+mn-ea"/>
               </a:rPr>
-              <a:t>处于句首时主要表示原因、条件、让步，对主语的附加说明或对全句的评注性状语等。实际上，这种用法可以看成是分词短语中的“being”省去了。例如:</a:t>
+              <a:t>处于句尾时,可以表示附加说明或对前面句子的评述，更多的是作方式状语。例如:</a:t>
             </a:r>
           </a:p>
         </p:txBody>
@@ -10938,7 +10781,7 @@
         <p:spPr>
           <a:xfrm>
             <a:off x="1447800" y="2060575"/>
-            <a:ext cx="9709150" cy="1938020"/>
+            <a:ext cx="9709150" cy="3046095"/>
           </a:xfrm>
           <a:prstGeom prst="rect">
             <a:avLst/>
@@ -10952,53 +10795,68 @@
           <a:lstStyle/>
           <a:p>
             <a:r>
-              <a:rPr lang="zh-CN" altLang="en-US" sz="2400" b="1">
+              <a:rPr lang="zh-CN" altLang="en-US" sz="2400" b="1" dirty="0">
                 <a:sym typeface="+mn-ea"/>
               </a:rPr>
-              <a:t>由于爱因斯坦清楚光的电磁理论不能解释光电效应，所以他于1905年寻找到了另外一种方法来理解它。</a:t>
-            </a:r>
-          </a:p>
-          <a:p>
-            <a:r>
-              <a:rPr lang="zh-CN" altLang="en-US" sz="2400" b="1">
+              <a:t>该导体正平行于磁场运动。</a:t>
+            </a:r>
+          </a:p>
+          <a:p>
+            <a:r>
+              <a:rPr lang="zh-CN" altLang="en-US" sz="2400" b="1" dirty="0">
                 <a:sym typeface="+mn-ea"/>
               </a:rPr>
-              <a:t>Aware that the electromagnetic theory of light</a:t>
-            </a:r>
-            <a:r>
-              <a:rPr lang="en-US" altLang="zh-CN" sz="2400" b="1">
+              <a:t>The conductor is moving parallel to the magneticfield.(形容词短语作方式状语修饰“moving")</a:t>
+            </a:r>
+          </a:p>
+          <a:p>
+            <a:r>
+              <a:rPr lang="zh-CN" altLang="en-US" sz="2400" b="1" dirty="0">
+                <a:sym typeface="+mn-ea"/>
+              </a:rPr>
+              <a:t>这项研究还处于早期阶段，大概类似40年前造出第一个半导体逻辑闸时的状况。</a:t>
+            </a:r>
+          </a:p>
+          <a:p>
+            <a:r>
+              <a:rPr lang="zh-CN" altLang="en-US" sz="2400" b="1" dirty="0">
+                <a:sym typeface="+mn-ea"/>
+              </a:rPr>
+              <a:t>The work is at an early stage, roughly analogous</a:t>
+            </a:r>
+            <a:r>
+              <a:rPr lang="en-US" altLang="zh-CN" sz="2400" b="1" dirty="0">
                 <a:sym typeface="+mn-ea"/>
               </a:rPr>
               <a:t> </a:t>
             </a:r>
             <a:r>
-              <a:rPr lang="zh-CN" altLang="en-US" sz="2400" b="1">
+              <a:rPr lang="zh-CN" altLang="en-US" sz="2400" b="1" dirty="0">
                 <a:sym typeface="+mn-ea"/>
               </a:rPr>
-              <a:t>failed to explain the photoelectric effect（光电效应）,Albert</a:t>
-            </a:r>
-            <a:r>
-              <a:rPr lang="en-US" altLang="zh-CN" sz="2400" b="1">
+              <a:t>to the construction of the first semiconductor</a:t>
+            </a:r>
+            <a:r>
+              <a:rPr lang="en-US" altLang="zh-CN" sz="2400" b="1" dirty="0">
                 <a:sym typeface="+mn-ea"/>
               </a:rPr>
               <a:t> </a:t>
             </a:r>
             <a:r>
-              <a:rPr lang="zh-CN" altLang="en-US" sz="2400" b="1">
+              <a:rPr lang="zh-CN" altLang="en-US" sz="2400" b="1" dirty="0">
                 <a:sym typeface="+mn-ea"/>
               </a:rPr>
-              <a:t>Einstein sought some other way of understanding it</a:t>
-            </a:r>
-            <a:r>
-              <a:rPr lang="en-US" altLang="zh-CN" sz="2400" b="1">
-                <a:sym typeface="+mn-ea"/>
-              </a:rPr>
-              <a:t> in 1905.</a:t>
+              <a:t>logic gate（半导体逻辑闸） some 40 years ago.</a:t>
             </a:r>
           </a:p>
         </p:txBody>
       </p:sp>
     </p:spTree>
+    <p:extLst>
+      <p:ext uri="{BB962C8B-B14F-4D97-AF65-F5344CB8AC3E}">
+        <p14:creationId xmlns:p14="http://schemas.microsoft.com/office/powerpoint/2010/main" val="331780351"/>
+      </p:ext>
+    </p:extLst>
   </p:cSld>
   <p:clrMapOvr>
     <a:masterClrMapping/>
@@ -11145,6 +11003,128 @@
                       </p:childTnLst>
                     </p:cTn>
                   </p:par>
+                  <p:par>
+                    <p:cTn id="13" fill="hold">
+                      <p:stCondLst>
+                        <p:cond delay="indefinite"/>
+                      </p:stCondLst>
+                      <p:childTnLst>
+                        <p:par>
+                          <p:cTn id="14" fill="hold">
+                            <p:stCondLst>
+                              <p:cond delay="0"/>
+                            </p:stCondLst>
+                            <p:childTnLst>
+                              <p:par>
+                                <p:cTn id="15" presetID="3" presetClass="entr" presetSubtype="10" fill="hold" nodeType="clickEffect">
+                                  <p:stCondLst>
+                                    <p:cond delay="0"/>
+                                  </p:stCondLst>
+                                  <p:childTnLst>
+                                    <p:set>
+                                      <p:cBhvr>
+                                        <p:cTn id="16" dur="1" fill="hold">
+                                          <p:stCondLst>
+                                            <p:cond delay="0"/>
+                                          </p:stCondLst>
+                                        </p:cTn>
+                                        <p:tgtEl>
+                                          <p:spTgt spid="9">
+                                            <p:txEl>
+                                              <p:pRg st="3" end="3"/>
+                                            </p:txEl>
+                                          </p:spTgt>
+                                        </p:tgtEl>
+                                        <p:attrNameLst>
+                                          <p:attrName>style.visibility</p:attrName>
+                                        </p:attrNameLst>
+                                      </p:cBhvr>
+                                      <p:to>
+                                        <p:strVal val="visible"/>
+                                      </p:to>
+                                    </p:set>
+                                    <p:animEffect transition="in" filter="blinds(horizontal)">
+                                      <p:cBhvr>
+                                        <p:cTn id="17" dur="500"/>
+                                        <p:tgtEl>
+                                          <p:spTgt spid="9">
+                                            <p:txEl>
+                                              <p:pRg st="3" end="3"/>
+                                            </p:txEl>
+                                          </p:spTgt>
+                                        </p:tgtEl>
+                                      </p:cBhvr>
+                                    </p:animEffect>
+                                  </p:childTnLst>
+                                </p:cTn>
+                              </p:par>
+                            </p:childTnLst>
+                          </p:cTn>
+                        </p:par>
+                      </p:childTnLst>
+                    </p:cTn>
+                  </p:par>
+                  <p:par>
+                    <p:cTn id="18" fill="hold">
+                      <p:stCondLst>
+                        <p:cond delay="indefinite"/>
+                      </p:stCondLst>
+                      <p:childTnLst>
+                        <p:par>
+                          <p:cTn id="19" fill="hold">
+                            <p:stCondLst>
+                              <p:cond delay="0"/>
+                            </p:stCondLst>
+                            <p:childTnLst>
+                              <p:par>
+                                <p:cTn id="20" presetID="3" presetClass="entr" presetSubtype="10" fill="hold" nodeType="clickEffect">
+                                  <p:stCondLst>
+                                    <p:cond delay="0"/>
+                                  </p:stCondLst>
+                                  <p:childTnLst>
+                                    <p:set>
+                                      <p:cBhvr>
+                                        <p:cTn id="21" dur="1" fill="hold">
+                                          <p:stCondLst>
+                                            <p:cond delay="0"/>
+                                          </p:stCondLst>
+                                        </p:cTn>
+                                        <p:tgtEl>
+                                          <p:spTgt spid="9">
+                                            <p:txEl>
+                                              <p:pRg st="2" end="2"/>
+                                            </p:txEl>
+                                          </p:spTgt>
+                                        </p:tgtEl>
+                                        <p:attrNameLst>
+                                          <p:attrName>style.visibility</p:attrName>
+                                        </p:attrNameLst>
+                                      </p:cBhvr>
+                                      <p:to>
+                                        <p:strVal val="visible"/>
+                                      </p:to>
+                                    </p:set>
+                                    <p:animEffect transition="in" filter="blinds(horizontal)">
+                                      <p:cBhvr>
+                                        <p:cTn id="22" dur="500"/>
+                                        <p:tgtEl>
+                                          <p:spTgt spid="9">
+                                            <p:txEl>
+                                              <p:pRg st="2" end="2"/>
+                                            </p:txEl>
+                                          </p:spTgt>
+                                        </p:tgtEl>
+                                      </p:cBhvr>
+                                    </p:animEffect>
+                                  </p:childTnLst>
+                                </p:cTn>
+                              </p:par>
+                            </p:childTnLst>
+                          </p:cTn>
+                        </p:par>
+                      </p:childTnLst>
+                    </p:cTn>
+                  </p:par>
                 </p:childTnLst>
               </p:cTn>
               <p:prevCondLst>
@@ -11305,7 +11285,7 @@
         </p:nvSpPr>
         <p:spPr>
           <a:xfrm>
-            <a:off x="285750" y="530543"/>
+            <a:off x="1200150" y="959803"/>
             <a:ext cx="4446270" cy="521970"/>
           </a:xfrm>
           <a:prstGeom prst="rect">
@@ -11352,7 +11332,7 @@
                 <a:cs typeface="+mn-lt"/>
                 <a:sym typeface="+mn-ea"/>
               </a:rPr>
-              <a:t>02 </a:t>
+              <a:t>03 </a:t>
             </a:r>
             <a:r>
               <a:rPr lang="zh-CN" altLang="en-US" sz="2800" b="1" noProof="0" dirty="0">
@@ -11368,36 +11348,21 @@
                 <a:latin typeface="+mn-ea"/>
                 <a:sym typeface="+mn-ea"/>
               </a:rPr>
-              <a:t>形容词短语做状语</a:t>
-            </a:r>
-            <a:endParaRPr kumimoji="0" lang="zh-CN" altLang="en-US" sz="2800" b="1" i="0" u="none" strike="noStrike" kern="1200" cap="none" spc="0" normalizeH="0" baseline="0" noProof="0" dirty="0">
-              <a:ln>
-                <a:noFill/>
-              </a:ln>
-              <a:solidFill>
-                <a:schemeClr val="tx1">
-                  <a:lumMod val="85000"/>
-                  <a:lumOff val="15000"/>
-                </a:schemeClr>
-              </a:solidFill>
-              <a:effectLst/>
-              <a:uLnTx/>
-              <a:uFillTx/>
-              <a:cs typeface="+mn-lt"/>
-            </a:endParaRPr>
-          </a:p>
-        </p:txBody>
-      </p:sp>
-      <p:sp>
-        <p:nvSpPr>
-          <p:cNvPr id="4" name="文本框 3"/>
+              <a:t>形容词短语做后置定语</a:t>
+            </a:r>
+          </a:p>
+        </p:txBody>
+      </p:sp>
+      <p:sp>
+        <p:nvSpPr>
+          <p:cNvPr id="9" name="文本框 8"/>
           <p:cNvSpPr txBox="1"/>
           <p:nvPr/>
         </p:nvSpPr>
         <p:spPr>
           <a:xfrm>
-            <a:off x="1324610" y="1236345"/>
-            <a:ext cx="8499475" cy="1092200"/>
+            <a:off x="1447800" y="2060575"/>
+            <a:ext cx="9709150" cy="3415030"/>
           </a:xfrm>
           <a:prstGeom prst="rect">
             <a:avLst/>
@@ -11406,110 +11371,67 @@
         </p:spPr>
         <p:txBody>
           <a:bodyPr wrap="square" rtlCol="0">
-            <a:noAutofit/>
-          </a:bodyPr>
-          <a:lstStyle/>
-          <a:p>
-            <a:r>
-              <a:rPr lang="zh-CN" altLang="en-US">
-                <a:sym typeface="+mn-ea"/>
-              </a:rPr>
-              <a:t>处于句首时主要表示原因、条件、让步，对主语的附加说明或对全句的评注性状语等。实际上，这种用法可以看成是分词短语中的“being”省去了。例如:</a:t>
-            </a:r>
-          </a:p>
-        </p:txBody>
-      </p:sp>
-      <p:sp>
-        <p:nvSpPr>
-          <p:cNvPr id="9" name="文本框 8"/>
-          <p:cNvSpPr txBox="1"/>
-          <p:nvPr/>
-        </p:nvSpPr>
-        <p:spPr>
-          <a:xfrm>
-            <a:off x="1447800" y="2060575"/>
-            <a:ext cx="9709150" cy="3046095"/>
-          </a:xfrm>
-          <a:prstGeom prst="rect">
-            <a:avLst/>
-          </a:prstGeom>
-          <a:noFill/>
-        </p:spPr>
-        <p:txBody>
-          <a:bodyPr wrap="square" rtlCol="0">
             <a:spAutoFit/>
           </a:bodyPr>
           <a:lstStyle/>
           <a:p>
             <a:r>
-              <a:rPr lang="zh-CN" altLang="en-US" sz="2400" b="1">
+              <a:rPr lang="zh-CN" altLang="en-US" sz="2400" b="1" dirty="0">
                 <a:sym typeface="+mn-ea"/>
               </a:rPr>
-              <a:t>与其他所有振荡器转换技术一样，锁相模式也不能用于脉冲式的输人。</a:t>
-            </a:r>
-          </a:p>
-          <a:p>
-            <a:r>
-              <a:rPr lang="zh-CN" altLang="en-US" sz="2400" b="1">
+              <a:t>这种情况的一个例子是平行于地球表面的运动。</a:t>
+            </a:r>
+          </a:p>
+          <a:p>
+            <a:r>
+              <a:rPr lang="zh-CN" altLang="en-US" sz="2400" b="1" dirty="0">
                 <a:sym typeface="+mn-ea"/>
               </a:rPr>
-              <a:t>Common to all other oscillator transfer techniques（振荡器转换技术）(形容词短语对主语作附加说明)，the phase-locked mode cannot be used for</a:t>
-            </a:r>
-            <a:r>
-              <a:rPr lang="en-US" altLang="zh-CN" sz="2400" b="1">
+              <a:t>An example of this is the motion parallel（平行） to the surface of the earth.</a:t>
+            </a:r>
+          </a:p>
+          <a:p>
+            <a:r>
+              <a:rPr lang="zh-CN" altLang="en-US" sz="2400" b="1" dirty="0">
+                <a:sym typeface="+mn-ea"/>
+              </a:rPr>
+              <a:t>在测量远短于一秒的时间间隔时，就采用十进制。</a:t>
+            </a:r>
+          </a:p>
+          <a:p>
+            <a:r>
+              <a:rPr lang="zh-CN" altLang="en-US" sz="2400" b="1" dirty="0">
+                <a:sym typeface="+mn-ea"/>
+              </a:rPr>
+              <a:t>In the measurement of time intervals much shorter than a second,the decimal system is used.</a:t>
+            </a:r>
+          </a:p>
+          <a:p>
+            <a:r>
+              <a:rPr lang="zh-CN" altLang="en-US" sz="2400" b="1" dirty="0">
+                <a:sym typeface="+mn-ea"/>
+              </a:rPr>
+              <a:t>必须使用精确到百万分之几秒的定时方法。</a:t>
+            </a:r>
+          </a:p>
+          <a:p>
+            <a:r>
+              <a:rPr lang="zh-CN" altLang="en-US" sz="2400" b="1" dirty="0">
+                <a:sym typeface="+mn-ea"/>
+              </a:rPr>
+              <a:t>A method of timing accurate to a few millionths of second is</a:t>
+            </a:r>
+            <a:r>
+              <a:rPr lang="en-US" altLang="zh-CN" sz="2400" b="1" dirty="0">
                 <a:sym typeface="+mn-ea"/>
               </a:rPr>
               <a:t> </a:t>
             </a:r>
             <a:r>
-              <a:rPr lang="zh-CN" altLang="en-US" sz="2400" b="1">
+              <a:rPr lang="zh-CN" altLang="en-US" sz="2400" b="1" dirty="0">
                 <a:sym typeface="+mn-ea"/>
               </a:rPr>
-              <a:t>pulsed inputs.</a:t>
-            </a:r>
-          </a:p>
-          <a:p>
-            <a:r>
-              <a:rPr lang="zh-CN" altLang="en-US" sz="2400" b="1">
-                <a:sym typeface="+mn-ea"/>
-              </a:rPr>
-              <a:t>所有的电路不论大小均含有种类相同的一些元件。</a:t>
-            </a:r>
-          </a:p>
-          <a:p>
-            <a:r>
-              <a:rPr lang="zh-CN" altLang="en-US" sz="2400" b="1">
-                <a:sym typeface="+mn-ea"/>
-              </a:rPr>
-              <a:t>Large or small, all the circuits contain the same kinds of</a:t>
-            </a:r>
-            <a:r>
-              <a:rPr lang="en-US" altLang="zh-CN" sz="2400" b="1">
-                <a:sym typeface="+mn-ea"/>
-              </a:rPr>
-              <a:t> </a:t>
-            </a:r>
-            <a:r>
-              <a:rPr lang="zh-CN" altLang="en-US" sz="2400" b="1">
-                <a:sym typeface="+mn-ea"/>
-              </a:rPr>
-              <a:t>components.</a:t>
-            </a:r>
-          </a:p>
-          <a:p>
-            <a:r>
-              <a:rPr lang="zh-CN" altLang="en-US" sz="2400" b="1">
-                <a:sym typeface="+mn-ea"/>
-              </a:rPr>
-              <a:t>如果铁块不受潮，则不易生锈。</a:t>
-            </a:r>
-          </a:p>
-          <a:p>
-            <a:r>
-              <a:rPr lang="zh-CN" altLang="en-US" sz="2400" b="1">
-                <a:sym typeface="+mn-ea"/>
-              </a:rPr>
-              <a:t>Free from the attack of moisture, a piece of iron will not rust veryfast.</a:t>
+              <a:t>necessary.</a:t>
             </a:r>
           </a:p>
         </p:txBody>
@@ -12112,7 +12034,7 @@
                 <a:cs typeface="+mn-lt"/>
                 <a:sym typeface="+mn-ea"/>
               </a:rPr>
-              <a:t>02 </a:t>
+              <a:t>04 </a:t>
             </a:r>
             <a:r>
               <a:rPr lang="zh-CN" altLang="en-US" sz="2800" b="1" noProof="0" dirty="0">
@@ -12128,7 +12050,7 @@
                 <a:latin typeface="+mn-ea"/>
                 <a:sym typeface="+mn-ea"/>
               </a:rPr>
-              <a:t>形容词做状语</a:t>
+              <a:t>形容词短语做状语</a:t>
             </a:r>
             <a:endParaRPr kumimoji="0" lang="zh-CN" altLang="en-US" sz="2800" b="1" i="0" u="none" strike="noStrike" kern="1200" cap="none" spc="0" normalizeH="0" baseline="0" noProof="0" dirty="0">
               <a:ln>
@@ -12171,12 +12093,11 @@
           <a:lstStyle/>
           <a:p>
             <a:r>
-              <a:rPr lang="zh-CN" altLang="en-US">
+              <a:rPr lang="zh-CN" altLang="en-US" dirty="0">
                 <a:sym typeface="+mn-ea"/>
               </a:rPr>
-              <a:t>单个形容词作状语主要是表示方式，大多是un ~ed形式的形容词。例如:</a:t>
-            </a:r>
-            <a:endParaRPr lang="zh-CN" altLang="en-US"/>
+              <a:t>处于句首时主要表示原因、条件、让步，对主语的附加说明或对全句的评注性状语等。实际上，这种用法可以看成是分词短语中的“being”省去了。例如:</a:t>
+            </a:r>
           </a:p>
         </p:txBody>
       </p:sp>
@@ -12189,7 +12110,7 @@
         <p:spPr>
           <a:xfrm>
             <a:off x="1447800" y="2060575"/>
-            <a:ext cx="9709150" cy="4154170"/>
+            <a:ext cx="9709150" cy="1938020"/>
           </a:xfrm>
           <a:prstGeom prst="rect">
             <a:avLst/>
@@ -12203,73 +12124,564 @@
           <a:lstStyle/>
           <a:p>
             <a:r>
-              <a:rPr lang="zh-CN" altLang="en-US" sz="2400" b="1">
+              <a:rPr lang="zh-CN" altLang="en-US" sz="2400" b="1" dirty="0">
                 <a:sym typeface="+mn-ea"/>
               </a:rPr>
-              <a:t>她在这项研究中的贡献大多没有获得承认。</a:t>
-            </a:r>
-            <a:endParaRPr lang="zh-CN" altLang="en-US" sz="2400" b="1"/>
-          </a:p>
-          <a:p>
-            <a:r>
-              <a:rPr lang="zh-CN" altLang="en-US" sz="2400" b="1">
+              <a:t>由于爱因斯坦清楚光的电磁理论不能解释光电效应，所以他于1905年寻找到了另外一种方法来理解它。</a:t>
+            </a:r>
+          </a:p>
+          <a:p>
+            <a:r>
+              <a:rPr lang="zh-CN" altLang="en-US" sz="2400" b="1" dirty="0">
                 <a:sym typeface="+mn-ea"/>
               </a:rPr>
-              <a:t>Her contribution to the research went largely unacknowledged.</a:t>
-            </a:r>
-            <a:endParaRPr lang="zh-CN" altLang="en-US" sz="2400" b="1"/>
-          </a:p>
-          <a:p>
-            <a:r>
-              <a:rPr lang="zh-CN" altLang="en-US" sz="2400" b="1">
+              <a:t>Aware that the electromagnetic theory of light</a:t>
+            </a:r>
+            <a:r>
+              <a:rPr lang="en-US" altLang="zh-CN" sz="2400" b="1" dirty="0">
                 <a:sym typeface="+mn-ea"/>
               </a:rPr>
-              <a:t>信用贷款不断增加而未受限制。</a:t>
-            </a:r>
-            <a:endParaRPr lang="zh-CN" altLang="en-US" sz="2400" b="1"/>
-          </a:p>
-          <a:p>
-            <a:r>
-              <a:rPr lang="zh-CN" altLang="en-US" sz="2400" b="1">
+              <a:t> </a:t>
+            </a:r>
+            <a:r>
+              <a:rPr lang="zh-CN" altLang="en-US" sz="2400" b="1" dirty="0">
                 <a:sym typeface="+mn-ea"/>
               </a:rPr>
-              <a:t>The use of credit continues/ grows unchecked.</a:t>
-            </a:r>
-            <a:endParaRPr lang="zh-CN" altLang="en-US" sz="2400" b="1"/>
-          </a:p>
-          <a:p>
-            <a:r>
-              <a:rPr lang="zh-CN" altLang="en-US" sz="2400" b="1">
+              <a:t>failed to explain the photoelectric effect（光电效应）,Albert</a:t>
+            </a:r>
+            <a:r>
+              <a:rPr lang="en-US" altLang="zh-CN" sz="2400" b="1" dirty="0">
                 <a:sym typeface="+mn-ea"/>
               </a:rPr>
-              <a:t>大多数α粒子通过箔片时方向并没有改变。</a:t>
-            </a:r>
-            <a:endParaRPr lang="zh-CN" altLang="en-US" sz="2400" b="1"/>
-          </a:p>
-          <a:p>
-            <a:r>
-              <a:rPr lang="zh-CN" altLang="en-US" sz="2400" b="1">
+              <a:t> </a:t>
+            </a:r>
+            <a:r>
+              <a:rPr lang="zh-CN" altLang="en-US" sz="2400" b="1" dirty="0">
                 <a:sym typeface="+mn-ea"/>
               </a:rPr>
-              <a:t>Most of the a- particles went through the foil（箔片） unchanged in direction.</a:t>
-            </a:r>
-            <a:endParaRPr lang="zh-CN" altLang="en-US" sz="2400" b="1"/>
-          </a:p>
-          <a:p>
-            <a:r>
-              <a:rPr lang="zh-CN" altLang="en-US" sz="2400" b="1">
+              <a:t>Einstein sought some other way of understanding it</a:t>
+            </a:r>
+            <a:r>
+              <a:rPr lang="en-US" altLang="zh-CN" sz="2400" b="1" dirty="0">
                 <a:sym typeface="+mn-ea"/>
               </a:rPr>
-              <a:t>只要瞬时振幅保持小于偏压,就能无失真地传送信号的波形。</a:t>
-            </a:r>
-            <a:endParaRPr lang="zh-CN" altLang="en-US" sz="2400" b="1"/>
-          </a:p>
-          <a:p>
-            <a:r>
-              <a:rPr lang="zh-CN" altLang="en-US" sz="2400" b="1">
+              <a:t> in 1905.</a:t>
+            </a:r>
+          </a:p>
+        </p:txBody>
+      </p:sp>
+    </p:spTree>
+  </p:cSld>
+  <p:clrMapOvr>
+    <a:masterClrMapping/>
+  </p:clrMapOvr>
+  <mc:AlternateContent xmlns:mc="http://schemas.openxmlformats.org/markup-compatibility/2006" xmlns:p14="http://schemas.microsoft.com/office/powerpoint/2010/main">
+    <mc:Choice Requires="p14">
+      <p:transition spd="slow" p14:dur="1600" advClick="0" advTm="0">
+        <p14:gallery dir="l"/>
+      </p:transition>
+    </mc:Choice>
+    <mc:Fallback xmlns="">
+      <p:transition spd="slow" advClick="0" advTm="0">
+        <p:fade/>
+      </p:transition>
+    </mc:Fallback>
+  </mc:AlternateContent>
+  <p:timing>
+    <p:tnLst>
+      <p:par>
+        <p:cTn id="1" dur="indefinite" restart="never" nodeType="tmRoot">
+          <p:childTnLst>
+            <p:seq concurrent="1" nextAc="seek">
+              <p:cTn id="2" dur="indefinite" nodeType="mainSeq">
+                <p:childTnLst>
+                  <p:par>
+                    <p:cTn id="3" fill="hold">
+                      <p:stCondLst>
+                        <p:cond delay="indefinite"/>
+                      </p:stCondLst>
+                      <p:childTnLst>
+                        <p:par>
+                          <p:cTn id="4" fill="hold">
+                            <p:stCondLst>
+                              <p:cond delay="0"/>
+                            </p:stCondLst>
+                            <p:childTnLst>
+                              <p:par>
+                                <p:cTn id="5" presetID="3" presetClass="entr" presetSubtype="10" fill="hold" nodeType="clickEffect">
+                                  <p:stCondLst>
+                                    <p:cond delay="0"/>
+                                  </p:stCondLst>
+                                  <p:childTnLst>
+                                    <p:set>
+                                      <p:cBhvr>
+                                        <p:cTn id="6" dur="1" fill="hold">
+                                          <p:stCondLst>
+                                            <p:cond delay="0"/>
+                                          </p:stCondLst>
+                                        </p:cTn>
+                                        <p:tgtEl>
+                                          <p:spTgt spid="9">
+                                            <p:txEl>
+                                              <p:pRg st="1" end="1"/>
+                                            </p:txEl>
+                                          </p:spTgt>
+                                        </p:tgtEl>
+                                        <p:attrNameLst>
+                                          <p:attrName>style.visibility</p:attrName>
+                                        </p:attrNameLst>
+                                      </p:cBhvr>
+                                      <p:to>
+                                        <p:strVal val="visible"/>
+                                      </p:to>
+                                    </p:set>
+                                    <p:animEffect transition="in" filter="blinds(horizontal)">
+                                      <p:cBhvr>
+                                        <p:cTn id="7" dur="500"/>
+                                        <p:tgtEl>
+                                          <p:spTgt spid="9">
+                                            <p:txEl>
+                                              <p:pRg st="1" end="1"/>
+                                            </p:txEl>
+                                          </p:spTgt>
+                                        </p:tgtEl>
+                                      </p:cBhvr>
+                                    </p:animEffect>
+                                  </p:childTnLst>
+                                </p:cTn>
+                              </p:par>
+                            </p:childTnLst>
+                          </p:cTn>
+                        </p:par>
+                      </p:childTnLst>
+                    </p:cTn>
+                  </p:par>
+                  <p:par>
+                    <p:cTn id="8" fill="hold">
+                      <p:stCondLst>
+                        <p:cond delay="indefinite"/>
+                      </p:stCondLst>
+                      <p:childTnLst>
+                        <p:par>
+                          <p:cTn id="9" fill="hold">
+                            <p:stCondLst>
+                              <p:cond delay="0"/>
+                            </p:stCondLst>
+                            <p:childTnLst>
+                              <p:par>
+                                <p:cTn id="10" presetID="3" presetClass="entr" presetSubtype="10" fill="hold" nodeType="clickEffect">
+                                  <p:stCondLst>
+                                    <p:cond delay="0"/>
+                                  </p:stCondLst>
+                                  <p:childTnLst>
+                                    <p:set>
+                                      <p:cBhvr>
+                                        <p:cTn id="11" dur="1" fill="hold">
+                                          <p:stCondLst>
+                                            <p:cond delay="0"/>
+                                          </p:stCondLst>
+                                        </p:cTn>
+                                        <p:tgtEl>
+                                          <p:spTgt spid="9">
+                                            <p:txEl>
+                                              <p:pRg st="0" end="0"/>
+                                            </p:txEl>
+                                          </p:spTgt>
+                                        </p:tgtEl>
+                                        <p:attrNameLst>
+                                          <p:attrName>style.visibility</p:attrName>
+                                        </p:attrNameLst>
+                                      </p:cBhvr>
+                                      <p:to>
+                                        <p:strVal val="visible"/>
+                                      </p:to>
+                                    </p:set>
+                                    <p:animEffect transition="in" filter="blinds(horizontal)">
+                                      <p:cBhvr>
+                                        <p:cTn id="12" dur="500"/>
+                                        <p:tgtEl>
+                                          <p:spTgt spid="9">
+                                            <p:txEl>
+                                              <p:pRg st="0" end="0"/>
+                                            </p:txEl>
+                                          </p:spTgt>
+                                        </p:tgtEl>
+                                      </p:cBhvr>
+                                    </p:animEffect>
+                                  </p:childTnLst>
+                                </p:cTn>
+                              </p:par>
+                            </p:childTnLst>
+                          </p:cTn>
+                        </p:par>
+                      </p:childTnLst>
+                    </p:cTn>
+                  </p:par>
+                </p:childTnLst>
+              </p:cTn>
+              <p:prevCondLst>
+                <p:cond evt="onPrev" delay="0">
+                  <p:tgtEl>
+                    <p:sldTgt/>
+                  </p:tgtEl>
+                </p:cond>
+              </p:prevCondLst>
+              <p:nextCondLst>
+                <p:cond evt="onNext" delay="0">
+                  <p:tgtEl>
+                    <p:sldTgt/>
+                  </p:tgtEl>
+                </p:cond>
+              </p:nextCondLst>
+            </p:seq>
+          </p:childTnLst>
+        </p:cTn>
+      </p:par>
+    </p:tnLst>
+  </p:timing>
+</p:sld>
+</file>
+
+<file path=ppt/slides/slide15.xml><?xml version="1.0" encoding="utf-8"?>
+<p:sld xmlns:a="http://schemas.openxmlformats.org/drawingml/2006/main" xmlns:r="http://schemas.openxmlformats.org/officeDocument/2006/relationships" xmlns:p="http://schemas.openxmlformats.org/presentationml/2006/main">
+  <p:cSld>
+    <p:spTree>
+      <p:nvGrpSpPr>
+        <p:cNvPr id="1" name=""/>
+        <p:cNvGrpSpPr/>
+        <p:nvPr/>
+      </p:nvGrpSpPr>
+      <p:grpSpPr>
+        <a:xfrm>
+          <a:off x="0" y="0"/>
+          <a:ext cx="0" cy="0"/>
+          <a:chOff x="0" y="0"/>
+          <a:chExt cx="0" cy="0"/>
+        </a:xfrm>
+      </p:grpSpPr>
+      <p:pic>
+        <p:nvPicPr>
+          <p:cNvPr id="7" name="图片 6"/>
+          <p:cNvPicPr>
+            <a:picLocks noChangeAspect="1"/>
+          </p:cNvPicPr>
+          <p:nvPr/>
+        </p:nvPicPr>
+        <p:blipFill>
+          <a:blip r:embed="rId3">
+            <a:extLst>
+              <a:ext uri="{28A0092B-C50C-407E-A947-70E740481C1C}">
+                <a14:useLocalDpi xmlns:a14="http://schemas.microsoft.com/office/drawing/2010/main" val="0"/>
+              </a:ext>
+            </a:extLst>
+          </a:blip>
+          <a:stretch>
+            <a:fillRect/>
+          </a:stretch>
+        </p:blipFill>
+        <p:spPr>
+          <a:xfrm>
+            <a:off x="0" y="0"/>
+            <a:ext cx="12192000" cy="6858000"/>
+          </a:xfrm>
+          <a:prstGeom prst="rect">
+            <a:avLst/>
+          </a:prstGeom>
+        </p:spPr>
+      </p:pic>
+      <p:pic>
+        <p:nvPicPr>
+          <p:cNvPr id="5" name="图片 4"/>
+          <p:cNvPicPr>
+            <a:picLocks noChangeAspect="1"/>
+          </p:cNvPicPr>
+          <p:nvPr/>
+        </p:nvPicPr>
+        <p:blipFill>
+          <a:blip r:embed="rId4" cstate="print">
+            <a:extLst>
+              <a:ext uri="{28A0092B-C50C-407E-A947-70E740481C1C}">
+                <a14:useLocalDpi xmlns:a14="http://schemas.microsoft.com/office/drawing/2010/main" val="0"/>
+              </a:ext>
+            </a:extLst>
+          </a:blip>
+          <a:stretch>
+            <a:fillRect/>
+          </a:stretch>
+        </p:blipFill>
+        <p:spPr>
+          <a:xfrm>
+            <a:off x="-64344" y="-40021"/>
+            <a:ext cx="12320685" cy="6938042"/>
+          </a:xfrm>
+          <a:prstGeom prst="rect">
+            <a:avLst/>
+          </a:prstGeom>
+        </p:spPr>
+      </p:pic>
+      <p:sp>
+        <p:nvSpPr>
+          <p:cNvPr id="6" name="矩形: 圆角 5"/>
+          <p:cNvSpPr/>
+          <p:nvPr/>
+        </p:nvSpPr>
+        <p:spPr>
+          <a:xfrm>
+            <a:off x="387348" y="381000"/>
+            <a:ext cx="11417300" cy="6096000"/>
+          </a:xfrm>
+          <a:prstGeom prst="roundRect">
+            <a:avLst>
+              <a:gd name="adj" fmla="val 6667"/>
+            </a:avLst>
+          </a:prstGeom>
+          <a:solidFill>
+            <a:schemeClr val="bg1">
+              <a:alpha val="92000"/>
+            </a:schemeClr>
+          </a:solidFill>
+          <a:ln>
+            <a:noFill/>
+          </a:ln>
+        </p:spPr>
+        <p:style>
+          <a:lnRef idx="2">
+            <a:schemeClr val="accent1">
+              <a:shade val="50000"/>
+            </a:schemeClr>
+          </a:lnRef>
+          <a:fillRef idx="1">
+            <a:schemeClr val="accent1"/>
+          </a:fillRef>
+          <a:effectRef idx="0">
+            <a:schemeClr val="accent1"/>
+          </a:effectRef>
+          <a:fontRef idx="minor">
+            <a:schemeClr val="lt1"/>
+          </a:fontRef>
+        </p:style>
+        <p:txBody>
+          <a:bodyPr rtlCol="0" anchor="ctr"/>
+          <a:lstStyle/>
+          <a:p>
+            <a:pPr algn="ctr"/>
+            <a:endParaRPr lang="zh-CN" altLang="en-US"/>
+          </a:p>
+        </p:txBody>
+      </p:sp>
+      <p:sp>
+        <p:nvSpPr>
+          <p:cNvPr id="8" name="文本框 7" descr="e7d195523061f1c0c7fdb8e83abb5dcf03375f2c8b662a4106267E0752567F7A4243849C9E2D773FC6511ADD776D3461389E8BB5BAFBB3C937DB9AB1E09A294486DA4CCF35679A92315A5BDF0C7F02D8DB0983A561B9AD4F9360F817F987ED6312BA78B3C26FE59D74499348EFC01217C87131E0D883B4A0A28311D4F4EF0E5123EE3175F2E8EA19"/>
+          <p:cNvSpPr txBox="1"/>
+          <p:nvPr/>
+        </p:nvSpPr>
+        <p:spPr>
+          <a:xfrm>
+            <a:off x="285750" y="530543"/>
+            <a:ext cx="4446270" cy="521970"/>
+          </a:xfrm>
+          <a:prstGeom prst="rect">
+            <a:avLst/>
+          </a:prstGeom>
+          <a:noFill/>
+        </p:spPr>
+        <p:txBody>
+          <a:bodyPr wrap="square" rtlCol="0" anchor="ctr">
+            <a:spAutoFit/>
+          </a:bodyPr>
+          <a:lstStyle/>
+          <a:p>
+            <a:pPr marL="0" marR="0" lvl="0" indent="0" algn="ctr" defTabSz="914400" rtl="0" eaLnBrk="1" fontAlgn="auto" latinLnBrk="0" hangingPunct="1">
+              <a:lnSpc>
+                <a:spcPct val="100000"/>
+              </a:lnSpc>
+              <a:spcBef>
+                <a:spcPts val="0"/>
+              </a:spcBef>
+              <a:spcAft>
+                <a:spcPts val="0"/>
+              </a:spcAft>
+              <a:buClrTx/>
+              <a:buSzTx/>
+              <a:buFontTx/>
+              <a:buNone/>
+              <a:defRPr/>
+            </a:pPr>
+            <a:r>
+              <a:rPr lang="en-US" altLang="zh-CN" sz="2800" b="1" noProof="0" dirty="0">
+                <a:ln>
+                  <a:noFill/>
+                </a:ln>
+                <a:solidFill>
+                  <a:schemeClr val="tx1">
+                    <a:lumMod val="85000"/>
+                    <a:lumOff val="15000"/>
+                  </a:schemeClr>
+                </a:solidFill>
+                <a:effectLst/>
+                <a:uLnTx/>
+                <a:uFillTx/>
+                <a:cs typeface="+mn-lt"/>
                 <a:sym typeface="+mn-ea"/>
               </a:rPr>
-              <a:t>The signal waveform is transmitted undistorted so long as the instantaneous amplituderemains（振幅） smaller than the bias voltages（偏压）.</a:t>
+              <a:t>04 </a:t>
+            </a:r>
+            <a:r>
+              <a:rPr lang="zh-CN" altLang="en-US" sz="2800" b="1" noProof="0" dirty="0">
+                <a:ln>
+                  <a:noFill/>
+                </a:ln>
+                <a:solidFill>
+                  <a:srgbClr val="000000"/>
+                </a:solidFill>
+                <a:effectLst/>
+                <a:uLnTx/>
+                <a:uFillTx/>
+                <a:latin typeface="+mn-ea"/>
+                <a:sym typeface="+mn-ea"/>
+              </a:rPr>
+              <a:t>形容词短语做状语</a:t>
+            </a:r>
+            <a:endParaRPr kumimoji="0" lang="zh-CN" altLang="en-US" sz="2800" b="1" i="0" u="none" strike="noStrike" kern="1200" cap="none" spc="0" normalizeH="0" baseline="0" noProof="0" dirty="0">
+              <a:ln>
+                <a:noFill/>
+              </a:ln>
+              <a:solidFill>
+                <a:schemeClr val="tx1">
+                  <a:lumMod val="85000"/>
+                  <a:lumOff val="15000"/>
+                </a:schemeClr>
+              </a:solidFill>
+              <a:effectLst/>
+              <a:uLnTx/>
+              <a:uFillTx/>
+              <a:cs typeface="+mn-lt"/>
+            </a:endParaRPr>
+          </a:p>
+        </p:txBody>
+      </p:sp>
+      <p:sp>
+        <p:nvSpPr>
+          <p:cNvPr id="4" name="文本框 3"/>
+          <p:cNvSpPr txBox="1"/>
+          <p:nvPr/>
+        </p:nvSpPr>
+        <p:spPr>
+          <a:xfrm>
+            <a:off x="1324610" y="1236345"/>
+            <a:ext cx="8499475" cy="1092200"/>
+          </a:xfrm>
+          <a:prstGeom prst="rect">
+            <a:avLst/>
+          </a:prstGeom>
+          <a:noFill/>
+        </p:spPr>
+        <p:txBody>
+          <a:bodyPr wrap="square" rtlCol="0">
+            <a:noAutofit/>
+          </a:bodyPr>
+          <a:lstStyle/>
+          <a:p>
+            <a:r>
+              <a:rPr lang="zh-CN" altLang="en-US">
+                <a:sym typeface="+mn-ea"/>
+              </a:rPr>
+              <a:t>处于句首时主要表示原因、条件、让步，对主语的附加说明或对全句的评注性状语等。实际上，这种用法可以看成是分词短语中的“being”省去了。例如:</a:t>
+            </a:r>
+          </a:p>
+        </p:txBody>
+      </p:sp>
+      <p:sp>
+        <p:nvSpPr>
+          <p:cNvPr id="9" name="文本框 8"/>
+          <p:cNvSpPr txBox="1"/>
+          <p:nvPr/>
+        </p:nvSpPr>
+        <p:spPr>
+          <a:xfrm>
+            <a:off x="1447800" y="2060575"/>
+            <a:ext cx="9709150" cy="3046095"/>
+          </a:xfrm>
+          <a:prstGeom prst="rect">
+            <a:avLst/>
+          </a:prstGeom>
+          <a:noFill/>
+        </p:spPr>
+        <p:txBody>
+          <a:bodyPr wrap="square" rtlCol="0">
+            <a:spAutoFit/>
+          </a:bodyPr>
+          <a:lstStyle/>
+          <a:p>
+            <a:r>
+              <a:rPr lang="zh-CN" altLang="en-US" sz="2400" b="1" dirty="0">
+                <a:sym typeface="+mn-ea"/>
+              </a:rPr>
+              <a:t>与其他所有振荡器转换技术一样，锁相模式也不能用于脉冲式的输人。</a:t>
+            </a:r>
+          </a:p>
+          <a:p>
+            <a:r>
+              <a:rPr lang="zh-CN" altLang="en-US" sz="2400" b="1" dirty="0">
+                <a:sym typeface="+mn-ea"/>
+              </a:rPr>
+              <a:t>Common to all other oscillator transfer techniques（振荡器转换技术）(形容词短语对主语作附加说明)，the phase-locked mode cannot be used for</a:t>
+            </a:r>
+            <a:r>
+              <a:rPr lang="en-US" altLang="zh-CN" sz="2400" b="1" dirty="0">
+                <a:sym typeface="+mn-ea"/>
+              </a:rPr>
+              <a:t> </a:t>
+            </a:r>
+            <a:r>
+              <a:rPr lang="zh-CN" altLang="en-US" sz="2400" b="1" dirty="0">
+                <a:sym typeface="+mn-ea"/>
+              </a:rPr>
+              <a:t>pulsed inputs.</a:t>
+            </a:r>
+          </a:p>
+          <a:p>
+            <a:r>
+              <a:rPr lang="zh-CN" altLang="en-US" sz="2400" b="1" dirty="0">
+                <a:sym typeface="+mn-ea"/>
+              </a:rPr>
+              <a:t>所有的电路不论大小均含有种类相同的一些元件。</a:t>
+            </a:r>
+          </a:p>
+          <a:p>
+            <a:r>
+              <a:rPr lang="zh-CN" altLang="en-US" sz="2400" b="1" dirty="0">
+                <a:sym typeface="+mn-ea"/>
+              </a:rPr>
+              <a:t>Large or small, all the circuits contain the same kinds of</a:t>
+            </a:r>
+            <a:r>
+              <a:rPr lang="en-US" altLang="zh-CN" sz="2400" b="1" dirty="0">
+                <a:sym typeface="+mn-ea"/>
+              </a:rPr>
+              <a:t> </a:t>
+            </a:r>
+            <a:r>
+              <a:rPr lang="zh-CN" altLang="en-US" sz="2400" b="1" dirty="0">
+                <a:sym typeface="+mn-ea"/>
+              </a:rPr>
+              <a:t>components.</a:t>
+            </a:r>
+          </a:p>
+          <a:p>
+            <a:r>
+              <a:rPr lang="zh-CN" altLang="en-US" sz="2400" b="1" dirty="0">
+                <a:sym typeface="+mn-ea"/>
+              </a:rPr>
+              <a:t>如果铁块不受潮，则不易生锈。</a:t>
+            </a:r>
+          </a:p>
+          <a:p>
+            <a:r>
+              <a:rPr lang="zh-CN" altLang="en-US" sz="2400" b="1" dirty="0">
+                <a:sym typeface="+mn-ea"/>
+              </a:rPr>
+              <a:t>Free from the attack of moisture, a piece of iron will not rust veryfast.</a:t>
             </a:r>
           </a:p>
         </p:txBody>
@@ -12665,738 +13077,6 @@
                       </p:childTnLst>
                     </p:cTn>
                   </p:par>
-                  <p:par>
-                    <p:cTn id="33" fill="hold">
-                      <p:stCondLst>
-                        <p:cond delay="indefinite"/>
-                      </p:stCondLst>
-                      <p:childTnLst>
-                        <p:par>
-                          <p:cTn id="34" fill="hold">
-                            <p:stCondLst>
-                              <p:cond delay="0"/>
-                            </p:stCondLst>
-                            <p:childTnLst>
-                              <p:par>
-                                <p:cTn id="35" presetID="3" presetClass="entr" presetSubtype="10" fill="hold" nodeType="clickEffect">
-                                  <p:stCondLst>
-                                    <p:cond delay="0"/>
-                                  </p:stCondLst>
-                                  <p:childTnLst>
-                                    <p:set>
-                                      <p:cBhvr>
-                                        <p:cTn id="36" dur="1" fill="hold">
-                                          <p:stCondLst>
-                                            <p:cond delay="0"/>
-                                          </p:stCondLst>
-                                        </p:cTn>
-                                        <p:tgtEl>
-                                          <p:spTgt spid="9">
-                                            <p:txEl>
-                                              <p:pRg st="7" end="7"/>
-                                            </p:txEl>
-                                          </p:spTgt>
-                                        </p:tgtEl>
-                                        <p:attrNameLst>
-                                          <p:attrName>style.visibility</p:attrName>
-                                        </p:attrNameLst>
-                                      </p:cBhvr>
-                                      <p:to>
-                                        <p:strVal val="visible"/>
-                                      </p:to>
-                                    </p:set>
-                                    <p:animEffect transition="in" filter="blinds(horizontal)">
-                                      <p:cBhvr>
-                                        <p:cTn id="37" dur="500"/>
-                                        <p:tgtEl>
-                                          <p:spTgt spid="9">
-                                            <p:txEl>
-                                              <p:pRg st="7" end="7"/>
-                                            </p:txEl>
-                                          </p:spTgt>
-                                        </p:tgtEl>
-                                      </p:cBhvr>
-                                    </p:animEffect>
-                                  </p:childTnLst>
-                                </p:cTn>
-                              </p:par>
-                            </p:childTnLst>
-                          </p:cTn>
-                        </p:par>
-                      </p:childTnLst>
-                    </p:cTn>
-                  </p:par>
-                  <p:par>
-                    <p:cTn id="38" fill="hold">
-                      <p:stCondLst>
-                        <p:cond delay="indefinite"/>
-                      </p:stCondLst>
-                      <p:childTnLst>
-                        <p:par>
-                          <p:cTn id="39" fill="hold">
-                            <p:stCondLst>
-                              <p:cond delay="0"/>
-                            </p:stCondLst>
-                            <p:childTnLst>
-                              <p:par>
-                                <p:cTn id="40" presetID="3" presetClass="entr" presetSubtype="10" fill="hold" nodeType="clickEffect">
-                                  <p:stCondLst>
-                                    <p:cond delay="0"/>
-                                  </p:stCondLst>
-                                  <p:childTnLst>
-                                    <p:set>
-                                      <p:cBhvr>
-                                        <p:cTn id="41" dur="1" fill="hold">
-                                          <p:stCondLst>
-                                            <p:cond delay="0"/>
-                                          </p:stCondLst>
-                                        </p:cTn>
-                                        <p:tgtEl>
-                                          <p:spTgt spid="9">
-                                            <p:txEl>
-                                              <p:pRg st="6" end="6"/>
-                                            </p:txEl>
-                                          </p:spTgt>
-                                        </p:tgtEl>
-                                        <p:attrNameLst>
-                                          <p:attrName>style.visibility</p:attrName>
-                                        </p:attrNameLst>
-                                      </p:cBhvr>
-                                      <p:to>
-                                        <p:strVal val="visible"/>
-                                      </p:to>
-                                    </p:set>
-                                    <p:animEffect transition="in" filter="blinds(horizontal)">
-                                      <p:cBhvr>
-                                        <p:cTn id="42" dur="500"/>
-                                        <p:tgtEl>
-                                          <p:spTgt spid="9">
-                                            <p:txEl>
-                                              <p:pRg st="6" end="6"/>
-                                            </p:txEl>
-                                          </p:spTgt>
-                                        </p:tgtEl>
-                                      </p:cBhvr>
-                                    </p:animEffect>
-                                  </p:childTnLst>
-                                </p:cTn>
-                              </p:par>
-                            </p:childTnLst>
-                          </p:cTn>
-                        </p:par>
-                      </p:childTnLst>
-                    </p:cTn>
-                  </p:par>
-                </p:childTnLst>
-              </p:cTn>
-              <p:prevCondLst>
-                <p:cond evt="onPrev" delay="0">
-                  <p:tgtEl>
-                    <p:sldTgt/>
-                  </p:tgtEl>
-                </p:cond>
-              </p:prevCondLst>
-              <p:nextCondLst>
-                <p:cond evt="onNext" delay="0">
-                  <p:tgtEl>
-                    <p:sldTgt/>
-                  </p:tgtEl>
-                </p:cond>
-              </p:nextCondLst>
-            </p:seq>
-          </p:childTnLst>
-        </p:cTn>
-      </p:par>
-    </p:tnLst>
-  </p:timing>
-</p:sld>
-</file>
-
-<file path=ppt/slides/slide15.xml><?xml version="1.0" encoding="utf-8"?>
-<p:sld xmlns:a="http://schemas.openxmlformats.org/drawingml/2006/main" xmlns:r="http://schemas.openxmlformats.org/officeDocument/2006/relationships" xmlns:p="http://schemas.openxmlformats.org/presentationml/2006/main">
-  <p:cSld>
-    <p:spTree>
-      <p:nvGrpSpPr>
-        <p:cNvPr id="1" name=""/>
-        <p:cNvGrpSpPr/>
-        <p:nvPr/>
-      </p:nvGrpSpPr>
-      <p:grpSpPr>
-        <a:xfrm>
-          <a:off x="0" y="0"/>
-          <a:ext cx="0" cy="0"/>
-          <a:chOff x="0" y="0"/>
-          <a:chExt cx="0" cy="0"/>
-        </a:xfrm>
-      </p:grpSpPr>
-      <p:pic>
-        <p:nvPicPr>
-          <p:cNvPr id="7" name="图片 6"/>
-          <p:cNvPicPr>
-            <a:picLocks noChangeAspect="1"/>
-          </p:cNvPicPr>
-          <p:nvPr/>
-        </p:nvPicPr>
-        <p:blipFill>
-          <a:blip r:embed="rId3">
-            <a:extLst>
-              <a:ext uri="{28A0092B-C50C-407E-A947-70E740481C1C}">
-                <a14:useLocalDpi xmlns:a14="http://schemas.microsoft.com/office/drawing/2010/main" val="0"/>
-              </a:ext>
-            </a:extLst>
-          </a:blip>
-          <a:stretch>
-            <a:fillRect/>
-          </a:stretch>
-        </p:blipFill>
-        <p:spPr>
-          <a:xfrm>
-            <a:off x="0" y="0"/>
-            <a:ext cx="12192000" cy="6858000"/>
-          </a:xfrm>
-          <a:prstGeom prst="rect">
-            <a:avLst/>
-          </a:prstGeom>
-        </p:spPr>
-      </p:pic>
-      <p:pic>
-        <p:nvPicPr>
-          <p:cNvPr id="5" name="图片 4"/>
-          <p:cNvPicPr>
-            <a:picLocks noChangeAspect="1"/>
-          </p:cNvPicPr>
-          <p:nvPr/>
-        </p:nvPicPr>
-        <p:blipFill>
-          <a:blip r:embed="rId4" cstate="print">
-            <a:extLst>
-              <a:ext uri="{28A0092B-C50C-407E-A947-70E740481C1C}">
-                <a14:useLocalDpi xmlns:a14="http://schemas.microsoft.com/office/drawing/2010/main" val="0"/>
-              </a:ext>
-            </a:extLst>
-          </a:blip>
-          <a:stretch>
-            <a:fillRect/>
-          </a:stretch>
-        </p:blipFill>
-        <p:spPr>
-          <a:xfrm>
-            <a:off x="-64344" y="-40021"/>
-            <a:ext cx="12320685" cy="6938042"/>
-          </a:xfrm>
-          <a:prstGeom prst="rect">
-            <a:avLst/>
-          </a:prstGeom>
-        </p:spPr>
-      </p:pic>
-      <p:sp>
-        <p:nvSpPr>
-          <p:cNvPr id="6" name="矩形: 圆角 5"/>
-          <p:cNvSpPr/>
-          <p:nvPr/>
-        </p:nvSpPr>
-        <p:spPr>
-          <a:xfrm>
-            <a:off x="387348" y="381000"/>
-            <a:ext cx="11417300" cy="6096000"/>
-          </a:xfrm>
-          <a:prstGeom prst="roundRect">
-            <a:avLst>
-              <a:gd name="adj" fmla="val 6667"/>
-            </a:avLst>
-          </a:prstGeom>
-          <a:solidFill>
-            <a:schemeClr val="bg1">
-              <a:alpha val="92000"/>
-            </a:schemeClr>
-          </a:solidFill>
-          <a:ln>
-            <a:noFill/>
-          </a:ln>
-        </p:spPr>
-        <p:style>
-          <a:lnRef idx="2">
-            <a:schemeClr val="accent1">
-              <a:shade val="50000"/>
-            </a:schemeClr>
-          </a:lnRef>
-          <a:fillRef idx="1">
-            <a:schemeClr val="accent1"/>
-          </a:fillRef>
-          <a:effectRef idx="0">
-            <a:schemeClr val="accent1"/>
-          </a:effectRef>
-          <a:fontRef idx="minor">
-            <a:schemeClr val="lt1"/>
-          </a:fontRef>
-        </p:style>
-        <p:txBody>
-          <a:bodyPr rtlCol="0" anchor="ctr"/>
-          <a:lstStyle/>
-          <a:p>
-            <a:pPr algn="ctr"/>
-            <a:endParaRPr lang="zh-CN" altLang="en-US"/>
-          </a:p>
-        </p:txBody>
-      </p:sp>
-      <p:sp>
-        <p:nvSpPr>
-          <p:cNvPr id="8" name="文本框 7" descr="e7d195523061f1c0c7fdb8e83abb5dcf03375f2c8b662a4106267E0752567F7A4243849C9E2D773FC6511ADD776D3461389E8BB5BAFBB3C937DB9AB1E09A294486DA4CCF35679A92315A5BDF0C7F02D8DB0983A561B9AD4F9360F817F987ED6312BA78B3C26FE59D74499348EFC01217C87131E0D883B4A0A28311D4F4EF0E5123EE3175F2E8EA19"/>
-          <p:cNvSpPr txBox="1"/>
-          <p:nvPr/>
-        </p:nvSpPr>
-        <p:spPr>
-          <a:xfrm>
-            <a:off x="285750" y="530543"/>
-            <a:ext cx="4446270" cy="521970"/>
-          </a:xfrm>
-          <a:prstGeom prst="rect">
-            <a:avLst/>
-          </a:prstGeom>
-          <a:noFill/>
-        </p:spPr>
-        <p:txBody>
-          <a:bodyPr wrap="square" rtlCol="0" anchor="ctr">
-            <a:spAutoFit/>
-          </a:bodyPr>
-          <a:lstStyle/>
-          <a:p>
-            <a:pPr marL="0" marR="0" lvl="0" indent="0" algn="ctr" defTabSz="914400" rtl="0" eaLnBrk="1" fontAlgn="auto" latinLnBrk="0" hangingPunct="1">
-              <a:lnSpc>
-                <a:spcPct val="100000"/>
-              </a:lnSpc>
-              <a:spcBef>
-                <a:spcPts val="0"/>
-              </a:spcBef>
-              <a:spcAft>
-                <a:spcPts val="0"/>
-              </a:spcAft>
-              <a:buClrTx/>
-              <a:buSzTx/>
-              <a:buFontTx/>
-              <a:buNone/>
-              <a:defRPr/>
-            </a:pPr>
-            <a:r>
-              <a:rPr lang="en-US" altLang="zh-CN" sz="2800" b="1" noProof="0" dirty="0">
-                <a:ln>
-                  <a:noFill/>
-                </a:ln>
-                <a:solidFill>
-                  <a:schemeClr val="tx1">
-                    <a:lumMod val="85000"/>
-                    <a:lumOff val="15000"/>
-                  </a:schemeClr>
-                </a:solidFill>
-                <a:effectLst/>
-                <a:uLnTx/>
-                <a:uFillTx/>
-                <a:cs typeface="+mn-lt"/>
-                <a:sym typeface="+mn-ea"/>
-              </a:rPr>
-              <a:t>02 </a:t>
-            </a:r>
-            <a:r>
-              <a:rPr lang="zh-CN" altLang="en-US" sz="2800" b="1" noProof="0" dirty="0">
-                <a:ln>
-                  <a:noFill/>
-                </a:ln>
-                <a:solidFill>
-                  <a:srgbClr val="000000"/>
-                </a:solidFill>
-                <a:effectLst/>
-                <a:uLnTx/>
-                <a:uFillTx/>
-                <a:latin typeface="+mn-ea"/>
-                <a:sym typeface="+mn-ea"/>
-              </a:rPr>
-              <a:t>形容词做状语</a:t>
-            </a:r>
-            <a:endParaRPr kumimoji="0" lang="zh-CN" altLang="en-US" sz="2800" b="1" i="0" u="none" strike="noStrike" kern="1200" cap="none" spc="0" normalizeH="0" baseline="0" noProof="0" dirty="0">
-              <a:ln>
-                <a:noFill/>
-              </a:ln>
-              <a:solidFill>
-                <a:schemeClr val="tx1">
-                  <a:lumMod val="85000"/>
-                  <a:lumOff val="15000"/>
-                </a:schemeClr>
-              </a:solidFill>
-              <a:effectLst/>
-              <a:uLnTx/>
-              <a:uFillTx/>
-              <a:cs typeface="+mn-lt"/>
-            </a:endParaRPr>
-          </a:p>
-        </p:txBody>
-      </p:sp>
-      <p:sp>
-        <p:nvSpPr>
-          <p:cNvPr id="4" name="文本框 3"/>
-          <p:cNvSpPr txBox="1"/>
-          <p:nvPr/>
-        </p:nvSpPr>
-        <p:spPr>
-          <a:xfrm>
-            <a:off x="1324610" y="1236345"/>
-            <a:ext cx="8499475" cy="1092200"/>
-          </a:xfrm>
-          <a:prstGeom prst="rect">
-            <a:avLst/>
-          </a:prstGeom>
-          <a:noFill/>
-        </p:spPr>
-        <p:txBody>
-          <a:bodyPr wrap="square" rtlCol="0">
-            <a:noAutofit/>
-          </a:bodyPr>
-          <a:lstStyle/>
-          <a:p>
-            <a:r>
-              <a:rPr lang="zh-CN" altLang="en-US">
-                <a:sym typeface="+mn-ea"/>
-              </a:rPr>
-              <a:t>处于句尾时,可以表示附加说明或对前面句子的评述，更多的是作方式状语。例如:</a:t>
-            </a:r>
-          </a:p>
-        </p:txBody>
-      </p:sp>
-      <p:sp>
-        <p:nvSpPr>
-          <p:cNvPr id="9" name="文本框 8"/>
-          <p:cNvSpPr txBox="1"/>
-          <p:nvPr/>
-        </p:nvSpPr>
-        <p:spPr>
-          <a:xfrm>
-            <a:off x="1447800" y="2060575"/>
-            <a:ext cx="9709150" cy="2676525"/>
-          </a:xfrm>
-          <a:prstGeom prst="rect">
-            <a:avLst/>
-          </a:prstGeom>
-          <a:noFill/>
-        </p:spPr>
-        <p:txBody>
-          <a:bodyPr wrap="square" rtlCol="0">
-            <a:spAutoFit/>
-          </a:bodyPr>
-          <a:lstStyle/>
-          <a:p>
-            <a:r>
-              <a:rPr lang="zh-CN" altLang="en-US" sz="2400" b="1">
-                <a:sym typeface="+mn-ea"/>
-              </a:rPr>
-              <a:t>必须仔细考虑效率问题,要使其兼顾系统的其他要求。</a:t>
-            </a:r>
-          </a:p>
-          <a:p>
-            <a:r>
-              <a:rPr lang="zh-CN" altLang="en-US" sz="2400" b="1">
-                <a:sym typeface="+mn-ea"/>
-              </a:rPr>
-              <a:t>The efficiency must be carefully considered, consistent with the other</a:t>
-            </a:r>
-            <a:r>
-              <a:rPr lang="en-US" altLang="zh-CN" sz="2400" b="1">
-                <a:sym typeface="+mn-ea"/>
-              </a:rPr>
-              <a:t> </a:t>
-            </a:r>
-            <a:r>
-              <a:rPr lang="zh-CN" altLang="en-US" sz="2400" b="1">
-                <a:sym typeface="+mn-ea"/>
-              </a:rPr>
-              <a:t>requirements of the system.(形容词短语在此附加说明)</a:t>
-            </a:r>
-          </a:p>
-          <a:p>
-            <a:r>
-              <a:rPr lang="zh-CN" altLang="en-US" sz="2400" b="1">
-                <a:sym typeface="+mn-ea"/>
-              </a:rPr>
-              <a:t>在这种情况下,该球只是以相切于( tangential to )其以前路径的方向向前运动。</a:t>
-            </a:r>
-          </a:p>
-          <a:p>
-            <a:r>
-              <a:rPr lang="zh-CN" altLang="en-US" sz="2400" b="1">
-                <a:sym typeface="+mn-ea"/>
-              </a:rPr>
-              <a:t>In this case the ball simply proceeds tangential（相切） to its former path. (形容词短语作方式状语修饰动词“proceeds")</a:t>
-            </a:r>
-          </a:p>
-        </p:txBody>
-      </p:sp>
-    </p:spTree>
-  </p:cSld>
-  <p:clrMapOvr>
-    <a:masterClrMapping/>
-  </p:clrMapOvr>
-  <mc:AlternateContent xmlns:mc="http://schemas.openxmlformats.org/markup-compatibility/2006" xmlns:p14="http://schemas.microsoft.com/office/powerpoint/2010/main">
-    <mc:Choice Requires="p14">
-      <p:transition spd="slow" p14:dur="1600" advClick="0" advTm="0">
-        <p14:gallery dir="l"/>
-      </p:transition>
-    </mc:Choice>
-    <mc:Fallback xmlns="">
-      <p:transition spd="slow" advClick="0" advTm="0">
-        <p:fade/>
-      </p:transition>
-    </mc:Fallback>
-  </mc:AlternateContent>
-  <p:timing>
-    <p:tnLst>
-      <p:par>
-        <p:cTn id="1" dur="indefinite" restart="never" nodeType="tmRoot">
-          <p:childTnLst>
-            <p:seq concurrent="1" nextAc="seek">
-              <p:cTn id="2" dur="indefinite" nodeType="mainSeq">
-                <p:childTnLst>
-                  <p:par>
-                    <p:cTn id="3" fill="hold">
-                      <p:stCondLst>
-                        <p:cond delay="indefinite"/>
-                      </p:stCondLst>
-                      <p:childTnLst>
-                        <p:par>
-                          <p:cTn id="4" fill="hold">
-                            <p:stCondLst>
-                              <p:cond delay="0"/>
-                            </p:stCondLst>
-                            <p:childTnLst>
-                              <p:par>
-                                <p:cTn id="5" presetID="3" presetClass="entr" presetSubtype="10" fill="hold" nodeType="clickEffect">
-                                  <p:stCondLst>
-                                    <p:cond delay="0"/>
-                                  </p:stCondLst>
-                                  <p:childTnLst>
-                                    <p:set>
-                                      <p:cBhvr>
-                                        <p:cTn id="6" dur="1" fill="hold">
-                                          <p:stCondLst>
-                                            <p:cond delay="0"/>
-                                          </p:stCondLst>
-                                        </p:cTn>
-                                        <p:tgtEl>
-                                          <p:spTgt spid="9">
-                                            <p:txEl>
-                                              <p:pRg st="1" end="1"/>
-                                            </p:txEl>
-                                          </p:spTgt>
-                                        </p:tgtEl>
-                                        <p:attrNameLst>
-                                          <p:attrName>style.visibility</p:attrName>
-                                        </p:attrNameLst>
-                                      </p:cBhvr>
-                                      <p:to>
-                                        <p:strVal val="visible"/>
-                                      </p:to>
-                                    </p:set>
-                                    <p:animEffect transition="in" filter="blinds(horizontal)">
-                                      <p:cBhvr>
-                                        <p:cTn id="7" dur="500"/>
-                                        <p:tgtEl>
-                                          <p:spTgt spid="9">
-                                            <p:txEl>
-                                              <p:pRg st="1" end="1"/>
-                                            </p:txEl>
-                                          </p:spTgt>
-                                        </p:tgtEl>
-                                      </p:cBhvr>
-                                    </p:animEffect>
-                                  </p:childTnLst>
-                                </p:cTn>
-                              </p:par>
-                            </p:childTnLst>
-                          </p:cTn>
-                        </p:par>
-                      </p:childTnLst>
-                    </p:cTn>
-                  </p:par>
-                  <p:par>
-                    <p:cTn id="8" fill="hold">
-                      <p:stCondLst>
-                        <p:cond delay="indefinite"/>
-                      </p:stCondLst>
-                      <p:childTnLst>
-                        <p:par>
-                          <p:cTn id="9" fill="hold">
-                            <p:stCondLst>
-                              <p:cond delay="0"/>
-                            </p:stCondLst>
-                            <p:childTnLst>
-                              <p:par>
-                                <p:cTn id="10" presetID="3" presetClass="entr" presetSubtype="10" fill="hold" nodeType="clickEffect">
-                                  <p:stCondLst>
-                                    <p:cond delay="0"/>
-                                  </p:stCondLst>
-                                  <p:childTnLst>
-                                    <p:set>
-                                      <p:cBhvr>
-                                        <p:cTn id="11" dur="1" fill="hold">
-                                          <p:stCondLst>
-                                            <p:cond delay="0"/>
-                                          </p:stCondLst>
-                                        </p:cTn>
-                                        <p:tgtEl>
-                                          <p:spTgt spid="9">
-                                            <p:txEl>
-                                              <p:pRg st="0" end="0"/>
-                                            </p:txEl>
-                                          </p:spTgt>
-                                        </p:tgtEl>
-                                        <p:attrNameLst>
-                                          <p:attrName>style.visibility</p:attrName>
-                                        </p:attrNameLst>
-                                      </p:cBhvr>
-                                      <p:to>
-                                        <p:strVal val="visible"/>
-                                      </p:to>
-                                    </p:set>
-                                    <p:animEffect transition="in" filter="blinds(horizontal)">
-                                      <p:cBhvr>
-                                        <p:cTn id="12" dur="500"/>
-                                        <p:tgtEl>
-                                          <p:spTgt spid="9">
-                                            <p:txEl>
-                                              <p:pRg st="0" end="0"/>
-                                            </p:txEl>
-                                          </p:spTgt>
-                                        </p:tgtEl>
-                                      </p:cBhvr>
-                                    </p:animEffect>
-                                  </p:childTnLst>
-                                </p:cTn>
-                              </p:par>
-                            </p:childTnLst>
-                          </p:cTn>
-                        </p:par>
-                      </p:childTnLst>
-                    </p:cTn>
-                  </p:par>
-                  <p:par>
-                    <p:cTn id="13" fill="hold">
-                      <p:stCondLst>
-                        <p:cond delay="indefinite"/>
-                      </p:stCondLst>
-                      <p:childTnLst>
-                        <p:par>
-                          <p:cTn id="14" fill="hold">
-                            <p:stCondLst>
-                              <p:cond delay="0"/>
-                            </p:stCondLst>
-                            <p:childTnLst>
-                              <p:par>
-                                <p:cTn id="15" presetID="3" presetClass="entr" presetSubtype="10" fill="hold" nodeType="clickEffect">
-                                  <p:stCondLst>
-                                    <p:cond delay="0"/>
-                                  </p:stCondLst>
-                                  <p:childTnLst>
-                                    <p:set>
-                                      <p:cBhvr>
-                                        <p:cTn id="16" dur="1" fill="hold">
-                                          <p:stCondLst>
-                                            <p:cond delay="0"/>
-                                          </p:stCondLst>
-                                        </p:cTn>
-                                        <p:tgtEl>
-                                          <p:spTgt spid="9">
-                                            <p:txEl>
-                                              <p:pRg st="3" end="3"/>
-                                            </p:txEl>
-                                          </p:spTgt>
-                                        </p:tgtEl>
-                                        <p:attrNameLst>
-                                          <p:attrName>style.visibility</p:attrName>
-                                        </p:attrNameLst>
-                                      </p:cBhvr>
-                                      <p:to>
-                                        <p:strVal val="visible"/>
-                                      </p:to>
-                                    </p:set>
-                                    <p:animEffect transition="in" filter="blinds(horizontal)">
-                                      <p:cBhvr>
-                                        <p:cTn id="17" dur="500"/>
-                                        <p:tgtEl>
-                                          <p:spTgt spid="9">
-                                            <p:txEl>
-                                              <p:pRg st="3" end="3"/>
-                                            </p:txEl>
-                                          </p:spTgt>
-                                        </p:tgtEl>
-                                      </p:cBhvr>
-                                    </p:animEffect>
-                                  </p:childTnLst>
-                                </p:cTn>
-                              </p:par>
-                            </p:childTnLst>
-                          </p:cTn>
-                        </p:par>
-                      </p:childTnLst>
-                    </p:cTn>
-                  </p:par>
-                  <p:par>
-                    <p:cTn id="18" fill="hold">
-                      <p:stCondLst>
-                        <p:cond delay="indefinite"/>
-                      </p:stCondLst>
-                      <p:childTnLst>
-                        <p:par>
-                          <p:cTn id="19" fill="hold">
-                            <p:stCondLst>
-                              <p:cond delay="0"/>
-                            </p:stCondLst>
-                            <p:childTnLst>
-                              <p:par>
-                                <p:cTn id="20" presetID="3" presetClass="entr" presetSubtype="10" fill="hold" nodeType="clickEffect">
-                                  <p:stCondLst>
-                                    <p:cond delay="0"/>
-                                  </p:stCondLst>
-                                  <p:childTnLst>
-                                    <p:set>
-                                      <p:cBhvr>
-                                        <p:cTn id="21" dur="1" fill="hold">
-                                          <p:stCondLst>
-                                            <p:cond delay="0"/>
-                                          </p:stCondLst>
-                                        </p:cTn>
-                                        <p:tgtEl>
-                                          <p:spTgt spid="9">
-                                            <p:txEl>
-                                              <p:pRg st="2" end="2"/>
-                                            </p:txEl>
-                                          </p:spTgt>
-                                        </p:tgtEl>
-                                        <p:attrNameLst>
-                                          <p:attrName>style.visibility</p:attrName>
-                                        </p:attrNameLst>
-                                      </p:cBhvr>
-                                      <p:to>
-                                        <p:strVal val="visible"/>
-                                      </p:to>
-                                    </p:set>
-                                    <p:animEffect transition="in" filter="blinds(horizontal)">
-                                      <p:cBhvr>
-                                        <p:cTn id="22" dur="500"/>
-                                        <p:tgtEl>
-                                          <p:spTgt spid="9">
-                                            <p:txEl>
-                                              <p:pRg st="2" end="2"/>
-                                            </p:txEl>
-                                          </p:spTgt>
-                                        </p:tgtEl>
-                                      </p:cBhvr>
-                                    </p:animEffect>
-                                  </p:childTnLst>
-                                </p:cTn>
-                              </p:par>
-                            </p:childTnLst>
-                          </p:cTn>
-                        </p:par>
-                      </p:childTnLst>
-                    </p:cTn>
-                  </p:par>
                 </p:childTnLst>
               </p:cTn>
               <p:prevCondLst>
@@ -13423,628 +13103,6 @@
 </file>
 
 <file path=ppt/slides/slide16.xml><?xml version="1.0" encoding="utf-8"?>
-<p:sld xmlns:a="http://schemas.openxmlformats.org/drawingml/2006/main" xmlns:r="http://schemas.openxmlformats.org/officeDocument/2006/relationships" xmlns:p="http://schemas.openxmlformats.org/presentationml/2006/main">
-  <p:cSld>
-    <p:spTree>
-      <p:nvGrpSpPr>
-        <p:cNvPr id="1" name=""/>
-        <p:cNvGrpSpPr/>
-        <p:nvPr/>
-      </p:nvGrpSpPr>
-      <p:grpSpPr>
-        <a:xfrm>
-          <a:off x="0" y="0"/>
-          <a:ext cx="0" cy="0"/>
-          <a:chOff x="0" y="0"/>
-          <a:chExt cx="0" cy="0"/>
-        </a:xfrm>
-      </p:grpSpPr>
-      <p:pic>
-        <p:nvPicPr>
-          <p:cNvPr id="7" name="图片 6"/>
-          <p:cNvPicPr>
-            <a:picLocks noChangeAspect="1"/>
-          </p:cNvPicPr>
-          <p:nvPr/>
-        </p:nvPicPr>
-        <p:blipFill>
-          <a:blip r:embed="rId3">
-            <a:extLst>
-              <a:ext uri="{28A0092B-C50C-407E-A947-70E740481C1C}">
-                <a14:useLocalDpi xmlns:a14="http://schemas.microsoft.com/office/drawing/2010/main" val="0"/>
-              </a:ext>
-            </a:extLst>
-          </a:blip>
-          <a:stretch>
-            <a:fillRect/>
-          </a:stretch>
-        </p:blipFill>
-        <p:spPr>
-          <a:xfrm>
-            <a:off x="0" y="0"/>
-            <a:ext cx="12192000" cy="6858000"/>
-          </a:xfrm>
-          <a:prstGeom prst="rect">
-            <a:avLst/>
-          </a:prstGeom>
-        </p:spPr>
-      </p:pic>
-      <p:pic>
-        <p:nvPicPr>
-          <p:cNvPr id="5" name="图片 4"/>
-          <p:cNvPicPr>
-            <a:picLocks noChangeAspect="1"/>
-          </p:cNvPicPr>
-          <p:nvPr/>
-        </p:nvPicPr>
-        <p:blipFill>
-          <a:blip r:embed="rId4" cstate="print">
-            <a:extLst>
-              <a:ext uri="{28A0092B-C50C-407E-A947-70E740481C1C}">
-                <a14:useLocalDpi xmlns:a14="http://schemas.microsoft.com/office/drawing/2010/main" val="0"/>
-              </a:ext>
-            </a:extLst>
-          </a:blip>
-          <a:stretch>
-            <a:fillRect/>
-          </a:stretch>
-        </p:blipFill>
-        <p:spPr>
-          <a:xfrm>
-            <a:off x="-64344" y="-40021"/>
-            <a:ext cx="12320685" cy="6938042"/>
-          </a:xfrm>
-          <a:prstGeom prst="rect">
-            <a:avLst/>
-          </a:prstGeom>
-        </p:spPr>
-      </p:pic>
-      <p:sp>
-        <p:nvSpPr>
-          <p:cNvPr id="6" name="矩形: 圆角 5"/>
-          <p:cNvSpPr/>
-          <p:nvPr/>
-        </p:nvSpPr>
-        <p:spPr>
-          <a:xfrm>
-            <a:off x="387348" y="381000"/>
-            <a:ext cx="11417300" cy="6096000"/>
-          </a:xfrm>
-          <a:prstGeom prst="roundRect">
-            <a:avLst>
-              <a:gd name="adj" fmla="val 6667"/>
-            </a:avLst>
-          </a:prstGeom>
-          <a:solidFill>
-            <a:schemeClr val="bg1">
-              <a:alpha val="92000"/>
-            </a:schemeClr>
-          </a:solidFill>
-          <a:ln>
-            <a:noFill/>
-          </a:ln>
-        </p:spPr>
-        <p:style>
-          <a:lnRef idx="2">
-            <a:schemeClr val="accent1">
-              <a:shade val="50000"/>
-            </a:schemeClr>
-          </a:lnRef>
-          <a:fillRef idx="1">
-            <a:schemeClr val="accent1"/>
-          </a:fillRef>
-          <a:effectRef idx="0">
-            <a:schemeClr val="accent1"/>
-          </a:effectRef>
-          <a:fontRef idx="minor">
-            <a:schemeClr val="lt1"/>
-          </a:fontRef>
-        </p:style>
-        <p:txBody>
-          <a:bodyPr rtlCol="0" anchor="ctr"/>
-          <a:lstStyle/>
-          <a:p>
-            <a:pPr algn="ctr"/>
-            <a:endParaRPr lang="zh-CN" altLang="en-US"/>
-          </a:p>
-        </p:txBody>
-      </p:sp>
-      <p:sp>
-        <p:nvSpPr>
-          <p:cNvPr id="8" name="文本框 7" descr="e7d195523061f1c0c7fdb8e83abb5dcf03375f2c8b662a4106267E0752567F7A4243849C9E2D773FC6511ADD776D3461389E8BB5BAFBB3C937DB9AB1E09A294486DA4CCF35679A92315A5BDF0C7F02D8DB0983A561B9AD4F9360F817F987ED6312BA78B3C26FE59D74499348EFC01217C87131E0D883B4A0A28311D4F4EF0E5123EE3175F2E8EA19"/>
-          <p:cNvSpPr txBox="1"/>
-          <p:nvPr/>
-        </p:nvSpPr>
-        <p:spPr>
-          <a:xfrm>
-            <a:off x="285750" y="530543"/>
-            <a:ext cx="4446270" cy="521970"/>
-          </a:xfrm>
-          <a:prstGeom prst="rect">
-            <a:avLst/>
-          </a:prstGeom>
-          <a:noFill/>
-        </p:spPr>
-        <p:txBody>
-          <a:bodyPr wrap="square" rtlCol="0" anchor="ctr">
-            <a:spAutoFit/>
-          </a:bodyPr>
-          <a:lstStyle/>
-          <a:p>
-            <a:pPr marL="0" marR="0" lvl="0" indent="0" algn="ctr" defTabSz="914400" rtl="0" eaLnBrk="1" fontAlgn="auto" latinLnBrk="0" hangingPunct="1">
-              <a:lnSpc>
-                <a:spcPct val="100000"/>
-              </a:lnSpc>
-              <a:spcBef>
-                <a:spcPts val="0"/>
-              </a:spcBef>
-              <a:spcAft>
-                <a:spcPts val="0"/>
-              </a:spcAft>
-              <a:buClrTx/>
-              <a:buSzTx/>
-              <a:buFontTx/>
-              <a:buNone/>
-              <a:defRPr/>
-            </a:pPr>
-            <a:r>
-              <a:rPr lang="en-US" altLang="zh-CN" sz="2800" b="1" noProof="0" dirty="0">
-                <a:ln>
-                  <a:noFill/>
-                </a:ln>
-                <a:solidFill>
-                  <a:schemeClr val="tx1">
-                    <a:lumMod val="85000"/>
-                    <a:lumOff val="15000"/>
-                  </a:schemeClr>
-                </a:solidFill>
-                <a:effectLst/>
-                <a:uLnTx/>
-                <a:uFillTx/>
-                <a:cs typeface="+mn-lt"/>
-                <a:sym typeface="+mn-ea"/>
-              </a:rPr>
-              <a:t>02 </a:t>
-            </a:r>
-            <a:r>
-              <a:rPr lang="zh-CN" altLang="en-US" sz="2800" b="1" noProof="0" dirty="0">
-                <a:ln>
-                  <a:noFill/>
-                </a:ln>
-                <a:solidFill>
-                  <a:srgbClr val="000000"/>
-                </a:solidFill>
-                <a:effectLst/>
-                <a:uLnTx/>
-                <a:uFillTx/>
-                <a:latin typeface="+mn-ea"/>
-                <a:sym typeface="+mn-ea"/>
-              </a:rPr>
-              <a:t>形容词做状语</a:t>
-            </a:r>
-            <a:endParaRPr kumimoji="0" lang="zh-CN" altLang="en-US" sz="2800" b="1" i="0" u="none" strike="noStrike" kern="1200" cap="none" spc="0" normalizeH="0" baseline="0" noProof="0" dirty="0">
-              <a:ln>
-                <a:noFill/>
-              </a:ln>
-              <a:solidFill>
-                <a:schemeClr val="tx1">
-                  <a:lumMod val="85000"/>
-                  <a:lumOff val="15000"/>
-                </a:schemeClr>
-              </a:solidFill>
-              <a:effectLst/>
-              <a:uLnTx/>
-              <a:uFillTx/>
-              <a:cs typeface="+mn-lt"/>
-            </a:endParaRPr>
-          </a:p>
-        </p:txBody>
-      </p:sp>
-      <p:sp>
-        <p:nvSpPr>
-          <p:cNvPr id="4" name="文本框 3"/>
-          <p:cNvSpPr txBox="1"/>
-          <p:nvPr/>
-        </p:nvSpPr>
-        <p:spPr>
-          <a:xfrm>
-            <a:off x="1324610" y="1236345"/>
-            <a:ext cx="8499475" cy="1092200"/>
-          </a:xfrm>
-          <a:prstGeom prst="rect">
-            <a:avLst/>
-          </a:prstGeom>
-          <a:noFill/>
-        </p:spPr>
-        <p:txBody>
-          <a:bodyPr wrap="square" rtlCol="0">
-            <a:noAutofit/>
-          </a:bodyPr>
-          <a:lstStyle/>
-          <a:p>
-            <a:r>
-              <a:rPr lang="zh-CN" altLang="en-US">
-                <a:sym typeface="+mn-ea"/>
-              </a:rPr>
-              <a:t>处于句尾时,可以表示附加说明或对前面句子的评述，更多的是作方式状语。例如:</a:t>
-            </a:r>
-          </a:p>
-        </p:txBody>
-      </p:sp>
-      <p:sp>
-        <p:nvSpPr>
-          <p:cNvPr id="9" name="文本框 8"/>
-          <p:cNvSpPr txBox="1"/>
-          <p:nvPr/>
-        </p:nvSpPr>
-        <p:spPr>
-          <a:xfrm>
-            <a:off x="1447800" y="2060575"/>
-            <a:ext cx="9709150" cy="3046095"/>
-          </a:xfrm>
-          <a:prstGeom prst="rect">
-            <a:avLst/>
-          </a:prstGeom>
-          <a:noFill/>
-        </p:spPr>
-        <p:txBody>
-          <a:bodyPr wrap="square" rtlCol="0">
-            <a:spAutoFit/>
-          </a:bodyPr>
-          <a:lstStyle/>
-          <a:p>
-            <a:r>
-              <a:rPr lang="zh-CN" altLang="en-US" sz="2400" b="1">
-                <a:sym typeface="+mn-ea"/>
-              </a:rPr>
-              <a:t>该导体正平行于磁场运动。</a:t>
-            </a:r>
-          </a:p>
-          <a:p>
-            <a:r>
-              <a:rPr lang="zh-CN" altLang="en-US" sz="2400" b="1">
-                <a:sym typeface="+mn-ea"/>
-              </a:rPr>
-              <a:t>The conductor is moving parallel to the magneticfield.(形容词短语作方式状语修饰“moving")</a:t>
-            </a:r>
-          </a:p>
-          <a:p>
-            <a:r>
-              <a:rPr lang="zh-CN" altLang="en-US" sz="2400" b="1">
-                <a:sym typeface="+mn-ea"/>
-              </a:rPr>
-              <a:t>这项研究还处于早期阶段，大概类似40年前造出第一个半导体逻辑闸时的状况。</a:t>
-            </a:r>
-          </a:p>
-          <a:p>
-            <a:r>
-              <a:rPr lang="zh-CN" altLang="en-US" sz="2400" b="1">
-                <a:sym typeface="+mn-ea"/>
-              </a:rPr>
-              <a:t>The work is at an early stage, roughly analogous</a:t>
-            </a:r>
-            <a:r>
-              <a:rPr lang="en-US" altLang="zh-CN" sz="2400" b="1">
-                <a:sym typeface="+mn-ea"/>
-              </a:rPr>
-              <a:t> </a:t>
-            </a:r>
-            <a:r>
-              <a:rPr lang="zh-CN" altLang="en-US" sz="2400" b="1">
-                <a:sym typeface="+mn-ea"/>
-              </a:rPr>
-              <a:t>to the construction of the first semiconductor</a:t>
-            </a:r>
-            <a:r>
-              <a:rPr lang="en-US" altLang="zh-CN" sz="2400" b="1">
-                <a:sym typeface="+mn-ea"/>
-              </a:rPr>
-              <a:t> </a:t>
-            </a:r>
-            <a:r>
-              <a:rPr lang="zh-CN" altLang="en-US" sz="2400" b="1">
-                <a:sym typeface="+mn-ea"/>
-              </a:rPr>
-              <a:t>logic gate（半导体逻辑闸） some 40 years ago.</a:t>
-            </a:r>
-          </a:p>
-        </p:txBody>
-      </p:sp>
-    </p:spTree>
-  </p:cSld>
-  <p:clrMapOvr>
-    <a:masterClrMapping/>
-  </p:clrMapOvr>
-  <mc:AlternateContent xmlns:mc="http://schemas.openxmlformats.org/markup-compatibility/2006" xmlns:p14="http://schemas.microsoft.com/office/powerpoint/2010/main">
-    <mc:Choice Requires="p14">
-      <p:transition spd="slow" p14:dur="1600" advClick="0" advTm="0">
-        <p14:gallery dir="l"/>
-      </p:transition>
-    </mc:Choice>
-    <mc:Fallback xmlns="">
-      <p:transition spd="slow" advClick="0" advTm="0">
-        <p:fade/>
-      </p:transition>
-    </mc:Fallback>
-  </mc:AlternateContent>
-  <p:timing>
-    <p:tnLst>
-      <p:par>
-        <p:cTn id="1" dur="indefinite" restart="never" nodeType="tmRoot">
-          <p:childTnLst>
-            <p:seq concurrent="1" nextAc="seek">
-              <p:cTn id="2" dur="indefinite" nodeType="mainSeq">
-                <p:childTnLst>
-                  <p:par>
-                    <p:cTn id="3" fill="hold">
-                      <p:stCondLst>
-                        <p:cond delay="indefinite"/>
-                      </p:stCondLst>
-                      <p:childTnLst>
-                        <p:par>
-                          <p:cTn id="4" fill="hold">
-                            <p:stCondLst>
-                              <p:cond delay="0"/>
-                            </p:stCondLst>
-                            <p:childTnLst>
-                              <p:par>
-                                <p:cTn id="5" presetID="3" presetClass="entr" presetSubtype="10" fill="hold" nodeType="clickEffect">
-                                  <p:stCondLst>
-                                    <p:cond delay="0"/>
-                                  </p:stCondLst>
-                                  <p:childTnLst>
-                                    <p:set>
-                                      <p:cBhvr>
-                                        <p:cTn id="6" dur="1" fill="hold">
-                                          <p:stCondLst>
-                                            <p:cond delay="0"/>
-                                          </p:stCondLst>
-                                        </p:cTn>
-                                        <p:tgtEl>
-                                          <p:spTgt spid="9">
-                                            <p:txEl>
-                                              <p:pRg st="1" end="1"/>
-                                            </p:txEl>
-                                          </p:spTgt>
-                                        </p:tgtEl>
-                                        <p:attrNameLst>
-                                          <p:attrName>style.visibility</p:attrName>
-                                        </p:attrNameLst>
-                                      </p:cBhvr>
-                                      <p:to>
-                                        <p:strVal val="visible"/>
-                                      </p:to>
-                                    </p:set>
-                                    <p:animEffect transition="in" filter="blinds(horizontal)">
-                                      <p:cBhvr>
-                                        <p:cTn id="7" dur="500"/>
-                                        <p:tgtEl>
-                                          <p:spTgt spid="9">
-                                            <p:txEl>
-                                              <p:pRg st="1" end="1"/>
-                                            </p:txEl>
-                                          </p:spTgt>
-                                        </p:tgtEl>
-                                      </p:cBhvr>
-                                    </p:animEffect>
-                                  </p:childTnLst>
-                                </p:cTn>
-                              </p:par>
-                            </p:childTnLst>
-                          </p:cTn>
-                        </p:par>
-                      </p:childTnLst>
-                    </p:cTn>
-                  </p:par>
-                  <p:par>
-                    <p:cTn id="8" fill="hold">
-                      <p:stCondLst>
-                        <p:cond delay="indefinite"/>
-                      </p:stCondLst>
-                      <p:childTnLst>
-                        <p:par>
-                          <p:cTn id="9" fill="hold">
-                            <p:stCondLst>
-                              <p:cond delay="0"/>
-                            </p:stCondLst>
-                            <p:childTnLst>
-                              <p:par>
-                                <p:cTn id="10" presetID="3" presetClass="entr" presetSubtype="10" fill="hold" nodeType="clickEffect">
-                                  <p:stCondLst>
-                                    <p:cond delay="0"/>
-                                  </p:stCondLst>
-                                  <p:childTnLst>
-                                    <p:set>
-                                      <p:cBhvr>
-                                        <p:cTn id="11" dur="1" fill="hold">
-                                          <p:stCondLst>
-                                            <p:cond delay="0"/>
-                                          </p:stCondLst>
-                                        </p:cTn>
-                                        <p:tgtEl>
-                                          <p:spTgt spid="9">
-                                            <p:txEl>
-                                              <p:pRg st="0" end="0"/>
-                                            </p:txEl>
-                                          </p:spTgt>
-                                        </p:tgtEl>
-                                        <p:attrNameLst>
-                                          <p:attrName>style.visibility</p:attrName>
-                                        </p:attrNameLst>
-                                      </p:cBhvr>
-                                      <p:to>
-                                        <p:strVal val="visible"/>
-                                      </p:to>
-                                    </p:set>
-                                    <p:animEffect transition="in" filter="blinds(horizontal)">
-                                      <p:cBhvr>
-                                        <p:cTn id="12" dur="500"/>
-                                        <p:tgtEl>
-                                          <p:spTgt spid="9">
-                                            <p:txEl>
-                                              <p:pRg st="0" end="0"/>
-                                            </p:txEl>
-                                          </p:spTgt>
-                                        </p:tgtEl>
-                                      </p:cBhvr>
-                                    </p:animEffect>
-                                  </p:childTnLst>
-                                </p:cTn>
-                              </p:par>
-                            </p:childTnLst>
-                          </p:cTn>
-                        </p:par>
-                      </p:childTnLst>
-                    </p:cTn>
-                  </p:par>
-                  <p:par>
-                    <p:cTn id="13" fill="hold">
-                      <p:stCondLst>
-                        <p:cond delay="indefinite"/>
-                      </p:stCondLst>
-                      <p:childTnLst>
-                        <p:par>
-                          <p:cTn id="14" fill="hold">
-                            <p:stCondLst>
-                              <p:cond delay="0"/>
-                            </p:stCondLst>
-                            <p:childTnLst>
-                              <p:par>
-                                <p:cTn id="15" presetID="3" presetClass="entr" presetSubtype="10" fill="hold" nodeType="clickEffect">
-                                  <p:stCondLst>
-                                    <p:cond delay="0"/>
-                                  </p:stCondLst>
-                                  <p:childTnLst>
-                                    <p:set>
-                                      <p:cBhvr>
-                                        <p:cTn id="16" dur="1" fill="hold">
-                                          <p:stCondLst>
-                                            <p:cond delay="0"/>
-                                          </p:stCondLst>
-                                        </p:cTn>
-                                        <p:tgtEl>
-                                          <p:spTgt spid="9">
-                                            <p:txEl>
-                                              <p:pRg st="3" end="3"/>
-                                            </p:txEl>
-                                          </p:spTgt>
-                                        </p:tgtEl>
-                                        <p:attrNameLst>
-                                          <p:attrName>style.visibility</p:attrName>
-                                        </p:attrNameLst>
-                                      </p:cBhvr>
-                                      <p:to>
-                                        <p:strVal val="visible"/>
-                                      </p:to>
-                                    </p:set>
-                                    <p:animEffect transition="in" filter="blinds(horizontal)">
-                                      <p:cBhvr>
-                                        <p:cTn id="17" dur="500"/>
-                                        <p:tgtEl>
-                                          <p:spTgt spid="9">
-                                            <p:txEl>
-                                              <p:pRg st="3" end="3"/>
-                                            </p:txEl>
-                                          </p:spTgt>
-                                        </p:tgtEl>
-                                      </p:cBhvr>
-                                    </p:animEffect>
-                                  </p:childTnLst>
-                                </p:cTn>
-                              </p:par>
-                            </p:childTnLst>
-                          </p:cTn>
-                        </p:par>
-                      </p:childTnLst>
-                    </p:cTn>
-                  </p:par>
-                  <p:par>
-                    <p:cTn id="18" fill="hold">
-                      <p:stCondLst>
-                        <p:cond delay="indefinite"/>
-                      </p:stCondLst>
-                      <p:childTnLst>
-                        <p:par>
-                          <p:cTn id="19" fill="hold">
-                            <p:stCondLst>
-                              <p:cond delay="0"/>
-                            </p:stCondLst>
-                            <p:childTnLst>
-                              <p:par>
-                                <p:cTn id="20" presetID="3" presetClass="entr" presetSubtype="10" fill="hold" nodeType="clickEffect">
-                                  <p:stCondLst>
-                                    <p:cond delay="0"/>
-                                  </p:stCondLst>
-                                  <p:childTnLst>
-                                    <p:set>
-                                      <p:cBhvr>
-                                        <p:cTn id="21" dur="1" fill="hold">
-                                          <p:stCondLst>
-                                            <p:cond delay="0"/>
-                                          </p:stCondLst>
-                                        </p:cTn>
-                                        <p:tgtEl>
-                                          <p:spTgt spid="9">
-                                            <p:txEl>
-                                              <p:pRg st="2" end="2"/>
-                                            </p:txEl>
-                                          </p:spTgt>
-                                        </p:tgtEl>
-                                        <p:attrNameLst>
-                                          <p:attrName>style.visibility</p:attrName>
-                                        </p:attrNameLst>
-                                      </p:cBhvr>
-                                      <p:to>
-                                        <p:strVal val="visible"/>
-                                      </p:to>
-                                    </p:set>
-                                    <p:animEffect transition="in" filter="blinds(horizontal)">
-                                      <p:cBhvr>
-                                        <p:cTn id="22" dur="500"/>
-                                        <p:tgtEl>
-                                          <p:spTgt spid="9">
-                                            <p:txEl>
-                                              <p:pRg st="2" end="2"/>
-                                            </p:txEl>
-                                          </p:spTgt>
-                                        </p:tgtEl>
-                                      </p:cBhvr>
-                                    </p:animEffect>
-                                  </p:childTnLst>
-                                </p:cTn>
-                              </p:par>
-                            </p:childTnLst>
-                          </p:cTn>
-                        </p:par>
-                      </p:childTnLst>
-                    </p:cTn>
-                  </p:par>
-                </p:childTnLst>
-              </p:cTn>
-              <p:prevCondLst>
-                <p:cond evt="onPrev" delay="0">
-                  <p:tgtEl>
-                    <p:sldTgt/>
-                  </p:tgtEl>
-                </p:cond>
-              </p:prevCondLst>
-              <p:nextCondLst>
-                <p:cond evt="onNext" delay="0">
-                  <p:tgtEl>
-                    <p:sldTgt/>
-                  </p:tgtEl>
-                </p:cond>
-              </p:nextCondLst>
-            </p:seq>
-          </p:childTnLst>
-        </p:cTn>
-      </p:par>
-    </p:tnLst>
-  </p:timing>
-</p:sld>
-</file>
-
-<file path=ppt/slides/slide17.xml><?xml version="1.0" encoding="utf-8"?>
 <p:sld xmlns:a="http://schemas.openxmlformats.org/drawingml/2006/main" xmlns:r="http://schemas.openxmlformats.org/officeDocument/2006/relationships" xmlns:p="http://schemas.openxmlformats.org/presentationml/2006/main">
   <p:cSld>
     <p:spTree>
@@ -14507,7 +13565,7 @@
           <a:lstStyle/>
           <a:p>
             <a:r>
-              <a:rPr lang="zh-CN" altLang="en-US" sz="2800" b="1"/>
+              <a:rPr lang="zh-CN" altLang="en-US" sz="2800" b="1" dirty="0"/>
               <a:t>形容词在句子中主要作修饰成分。大多数形容词修饰名词、充当主补和宾补，能受very等程度副词的修饰，并有比较级和最高级形式。</a:t>
             </a:r>
           </a:p>
@@ -16421,7 +15479,7 @@
           <a:lstStyle/>
           <a:p>
             <a:r>
-              <a:rPr lang="zh-CN" altLang="en-US"/>
+              <a:rPr lang="zh-CN" altLang="en-US" dirty="0"/>
               <a:t>必须后置的形容词主要有:present(本，此，盖，现存的); else (其他的，别的)(在疑问代词和不定代词之后);what (so) ever(任何的)(在有no或any修饰的名词后);involved(有关的,涉及的);inclusive(首尾包括在内的)等。例如:</a:t>
             </a:r>
           </a:p>
@@ -16450,36 +15508,36 @@
           <a:lstStyle/>
           <a:p>
             <a:r>
-              <a:rPr lang="zh-CN" altLang="en-US" sz="2400" b="1">
+              <a:rPr lang="zh-CN" altLang="en-US" sz="2400" b="1" dirty="0">
                 <a:sym typeface="+mn-ea"/>
               </a:rPr>
               <a:t>即使低压下也存在着大量分子</a:t>
             </a:r>
-            <a:endParaRPr lang="zh-CN" altLang="en-US" sz="2400" b="1"/>
-          </a:p>
-          <a:p>
-            <a:r>
-              <a:rPr lang="zh-CN" altLang="en-US" sz="2400" b="1"/>
+            <a:endParaRPr lang="zh-CN" altLang="en-US" sz="2400" b="1" dirty="0"/>
+          </a:p>
+          <a:p>
+            <a:r>
+              <a:rPr lang="zh-CN" altLang="en-US" sz="2400" b="1" dirty="0"/>
               <a:t>Even at low pressure there are still large numbers of molecules present.</a:t>
             </a:r>
           </a:p>
           <a:p>
             <a:r>
-              <a:rPr lang="zh-CN" altLang="en-US" sz="2400" b="1"/>
+              <a:rPr lang="zh-CN" altLang="en-US" sz="2400" b="1" dirty="0"/>
               <a:t>原子核中包含的正电荷的总数和存在于该原子核中的质子数相同。</a:t>
             </a:r>
           </a:p>
           <a:p>
             <a:r>
-              <a:rPr lang="zh-CN" altLang="en-US" sz="2400" b="1"/>
+              <a:rPr lang="zh-CN" altLang="en-US" sz="2400" b="1" dirty="0"/>
               <a:t>The nucleus contains a total positive charge that is equal to the number of</a:t>
             </a:r>
             <a:r>
-              <a:rPr lang="en-US" altLang="zh-CN" sz="2400" b="1"/>
+              <a:rPr lang="en-US" altLang="zh-CN" sz="2400" b="1" dirty="0"/>
               <a:t> </a:t>
             </a:r>
             <a:r>
-              <a:rPr lang="zh-CN" altLang="en-US" sz="2400" b="1"/>
+              <a:rPr lang="zh-CN" altLang="en-US" sz="2400" b="1" dirty="0"/>
               <a:t>protons present.</a:t>
             </a:r>
           </a:p>
@@ -17048,7 +16106,7 @@
           <a:lstStyle/>
           <a:p>
             <a:r>
-              <a:rPr lang="zh-CN" altLang="en-US" sz="2400" b="1">
+              <a:rPr lang="zh-CN" altLang="en-US" sz="2400" b="1" dirty="0">
                 <a:sym typeface="+mn-ea"/>
               </a:rPr>
               <a:t>所能获得的检验结果与我们期望的一致。</a:t>
@@ -17056,7 +16114,7 @@
           </a:p>
           <a:p>
             <a:r>
-              <a:rPr lang="zh-CN" altLang="en-US" sz="2400" b="1">
+              <a:rPr lang="zh-CN" altLang="en-US" sz="2400" b="1" dirty="0">
                 <a:sym typeface="+mn-ea"/>
               </a:rPr>
               <a:t>The testing result obtainable is in agreement with what we have expected.</a:t>
@@ -17064,7 +16122,7 @@
           </a:p>
           <a:p>
             <a:r>
-              <a:rPr lang="zh-CN" altLang="en-US" sz="2400" b="1">
+              <a:rPr lang="zh-CN" altLang="en-US" sz="2400" b="1" dirty="0">
                 <a:sym typeface="+mn-ea"/>
               </a:rPr>
               <a:t>每单位时间内衰变的放射性原子数正比于存在的原子数。</a:t>
@@ -17072,7 +16130,7 @@
           </a:p>
           <a:p>
             <a:r>
-              <a:rPr lang="zh-CN" altLang="en-US" sz="2400" b="1">
+              <a:rPr lang="zh-CN" altLang="en-US" sz="2400" b="1" dirty="0">
                 <a:sym typeface="+mn-ea"/>
               </a:rPr>
               <a:t>The number of radioactive atoms that decay per unit of time is proportional to the number ofatoms available.</a:t>
@@ -17080,7 +16138,7 @@
           </a:p>
           <a:p>
             <a:r>
-              <a:rPr lang="zh-CN" altLang="en-US" sz="2400" b="1">
+              <a:rPr lang="zh-CN" altLang="en-US" sz="2400" b="1" dirty="0">
                 <a:sym typeface="+mn-ea"/>
               </a:rPr>
               <a:t>用户数据通常与某一应用有关，例如所能接收到的账目。</a:t>
@@ -17088,7 +16146,7 @@
           </a:p>
           <a:p>
             <a:r>
-              <a:rPr lang="zh-CN" altLang="en-US" sz="2400" b="1">
+              <a:rPr lang="zh-CN" altLang="en-US" sz="2400" b="1" dirty="0">
                 <a:sym typeface="+mn-ea"/>
               </a:rPr>
               <a:t>User data are usually associated with an application such as accounts receivable.</a:t>
@@ -17781,7 +16839,7 @@
           <a:lstStyle/>
           <a:p>
             <a:r>
-              <a:rPr lang="zh-CN" altLang="en-US" sz="2400" b="1">
+              <a:rPr lang="zh-CN" altLang="en-US" sz="2400" b="1" dirty="0">
                 <a:sym typeface="+mn-ea"/>
               </a:rPr>
               <a:t>负责部门将采取具体措施来制止污染。</a:t>
@@ -17789,31 +16847,31 @@
           </a:p>
           <a:p>
             <a:r>
-              <a:rPr lang="zh-CN" altLang="en-US" sz="2400" b="1">
+              <a:rPr lang="zh-CN" altLang="en-US" sz="2400" b="1" dirty="0">
                 <a:sym typeface="+mn-ea"/>
               </a:rPr>
               <a:t>The department responsible will take concrete measures </a:t>
             </a:r>
             <a:r>
-              <a:rPr lang="en-US" altLang="zh-CN" sz="2400" b="1">
+              <a:rPr lang="en-US" altLang="zh-CN" sz="2400" b="1" dirty="0">
                 <a:sym typeface="+mn-ea"/>
               </a:rPr>
               <a:t>to</a:t>
             </a:r>
             <a:r>
-              <a:rPr lang="zh-CN" altLang="en-US" sz="2400" b="1">
+              <a:rPr lang="zh-CN" altLang="en-US" sz="2400" b="1" dirty="0">
                 <a:sym typeface="+mn-ea"/>
               </a:rPr>
               <a:t> stop</a:t>
             </a:r>
             <a:r>
-              <a:rPr lang="en-US" altLang="zh-CN" sz="2400" b="1">
+              <a:rPr lang="en-US" altLang="zh-CN" sz="2400" b="1" dirty="0">
                 <a:sym typeface="+mn-ea"/>
               </a:rPr>
               <a:t> </a:t>
             </a:r>
             <a:r>
-              <a:rPr lang="zh-CN" altLang="en-US" sz="2400" b="1">
+              <a:rPr lang="zh-CN" altLang="en-US" sz="2400" b="1" dirty="0">
                 <a:sym typeface="+mn-ea"/>
               </a:rPr>
               <a:t>the pollution.</a:t>
@@ -17821,19 +16879,19 @@
           </a:p>
           <a:p>
             <a:r>
-              <a:rPr lang="zh-CN" altLang="en-US" sz="2400" b="1">
+              <a:rPr lang="zh-CN" altLang="en-US" sz="2400" b="1" dirty="0">
                 <a:sym typeface="+mn-ea"/>
               </a:rPr>
               <a:t>降雨量能达到总共2</a:t>
             </a:r>
             <a:r>
-              <a:rPr lang="en-US" altLang="zh-CN" sz="2400" b="1">
+              <a:rPr lang="en-US" altLang="zh-CN" sz="2400" b="1" dirty="0">
                 <a:sym typeface="+mn-ea"/>
               </a:rPr>
               <a:t>0</a:t>
             </a:r>
             <a:r>
-              <a:rPr lang="zh-CN" altLang="en-US" sz="2400" b="1">
+              <a:rPr lang="zh-CN" altLang="en-US" sz="2400" b="1" dirty="0">
                 <a:sym typeface="+mn-ea"/>
               </a:rPr>
               <a:t>英寸。</a:t>
@@ -17841,20 +16899,20 @@
           </a:p>
           <a:p>
             <a:r>
-              <a:rPr lang="zh-CN" altLang="en-US" sz="2400" b="1">
+              <a:rPr lang="zh-CN" altLang="en-US" sz="2400" b="1" dirty="0">
                 <a:sym typeface="+mn-ea"/>
               </a:rPr>
               <a:t>The rainfall could reach 20 inches total.</a:t>
             </a:r>
           </a:p>
           <a:p>
-            <a:endParaRPr lang="zh-CN" altLang="en-US" sz="2400" b="1">
+            <a:endParaRPr lang="zh-CN" altLang="en-US" sz="2400" b="1" dirty="0">
               <a:sym typeface="+mn-ea"/>
             </a:endParaRPr>
           </a:p>
           <a:p>
             <a:r>
-              <a:rPr lang="zh-CN" altLang="en-US" sz="1800">
+              <a:rPr lang="zh-CN" altLang="en-US" sz="1800" dirty="0">
                 <a:sym typeface="+mn-ea"/>
               </a:rPr>
               <a:t>注:有些以-able或-ible结尾的形容词如invisible , navigable,passable等作修饰语，前置或后置意义略有差别:前置时表示永久特征，后置时表示暂时情况。例如:</a:t>
@@ -17862,7 +16920,7 @@
           </a:p>
           <a:p>
             <a:r>
-              <a:rPr lang="zh-CN" altLang="en-US" sz="2400" b="1">
+              <a:rPr lang="zh-CN" altLang="en-US" sz="2400" b="1" dirty="0">
                 <a:sym typeface="+mn-ea"/>
               </a:rPr>
               <a:t>金星是清楚可视的星体。</a:t>
@@ -17870,7 +16928,7 @@
           </a:p>
           <a:p>
             <a:r>
-              <a:rPr lang="zh-CN" altLang="en-US" sz="2400" b="1">
+              <a:rPr lang="zh-CN" altLang="en-US" sz="2400" b="1" dirty="0">
                 <a:sym typeface="+mn-ea"/>
               </a:rPr>
               <a:t>Venus（金星） is a clearly visible star.</a:t>
@@ -17878,7 +16936,7 @@
           </a:p>
           <a:p>
             <a:r>
-              <a:rPr lang="zh-CN" altLang="en-US" sz="2400" b="1">
+              <a:rPr lang="zh-CN" altLang="en-US" sz="2400" b="1" dirty="0">
                 <a:sym typeface="+mn-ea"/>
               </a:rPr>
               <a:t>它是现在唯一能看到的星体。</a:t>
@@ -17886,7 +16944,7 @@
           </a:p>
           <a:p>
             <a:r>
-              <a:rPr lang="zh-CN" altLang="en-US" sz="2400" b="1">
+              <a:rPr lang="zh-CN" altLang="en-US" sz="2400" b="1" dirty="0">
                 <a:sym typeface="+mn-ea"/>
               </a:rPr>
               <a:t>lt is the only star visible now.</a:t>
@@ -18733,7 +17791,7 @@
           <a:lstStyle/>
           <a:p>
             <a:r>
-              <a:rPr lang="zh-CN" altLang="en-US"/>
+              <a:rPr lang="zh-CN" altLang="en-US" dirty="0"/>
               <a:t>当形容词修饰由some, every, any, no与-thing,-one, -body组成的复合代词时必须后置。例如:</a:t>
             </a:r>
           </a:p>
@@ -18762,7 +17820,7 @@
           <a:lstStyle/>
           <a:p>
             <a:r>
-              <a:rPr lang="zh-CN" altLang="en-US" sz="2400" b="1">
+              <a:rPr lang="zh-CN" altLang="en-US" sz="2400" b="1" dirty="0">
                 <a:sym typeface="+mn-ea"/>
               </a:rPr>
               <a:t>细胞质的外形方面没有什么特殊的地方。</a:t>
@@ -18770,31 +17828,31 @@
           </a:p>
           <a:p>
             <a:r>
-              <a:rPr lang="zh-CN" altLang="en-US" sz="2400" b="1">
+              <a:rPr lang="zh-CN" altLang="en-US" sz="2400" b="1" dirty="0">
                 <a:sym typeface="+mn-ea"/>
               </a:rPr>
               <a:t>There is nothing extraordinary in the appearance of protoplasm</a:t>
             </a:r>
             <a:r>
-              <a:rPr lang="en-US" altLang="zh-CN" sz="2400" b="1">
+              <a:rPr lang="en-US" altLang="zh-CN" sz="2400" b="1" dirty="0">
                 <a:sym typeface="+mn-ea"/>
               </a:rPr>
               <a:t>(</a:t>
             </a:r>
             <a:r>
-              <a:rPr lang="zh-CN" altLang="en-US" sz="2400" b="1">
+              <a:rPr lang="zh-CN" altLang="en-US" sz="2400" b="1" dirty="0">
                 <a:sym typeface="+mn-ea"/>
               </a:rPr>
               <a:t>细胞质</a:t>
             </a:r>
             <a:r>
-              <a:rPr lang="en-US" altLang="zh-CN" sz="2400" b="1">
+              <a:rPr lang="en-US" altLang="zh-CN" sz="2400" b="1" dirty="0">
                 <a:sym typeface="+mn-ea"/>
               </a:rPr>
               <a:t>)</a:t>
             </a:r>
             <a:r>
-              <a:rPr lang="zh-CN" altLang="en-US" sz="2400" b="1">
+              <a:rPr lang="zh-CN" altLang="en-US" sz="2400" b="1" dirty="0">
                 <a:sym typeface="+mn-ea"/>
               </a:rPr>
               <a:t>.</a:t>
@@ -18802,7 +17860,7 @@
           </a:p>
           <a:p>
             <a:r>
-              <a:rPr lang="zh-CN" altLang="en-US" sz="2400" b="1">
+              <a:rPr lang="zh-CN" altLang="en-US" sz="2400" b="1" dirty="0">
                 <a:sym typeface="+mn-ea"/>
               </a:rPr>
               <a:t>式(4-3)说明了物体能获得的最大速度方面的一些有关情况。</a:t>
@@ -18810,7 +17868,7 @@
           </a:p>
           <a:p>
             <a:r>
-              <a:rPr lang="zh-CN" altLang="en-US" sz="2400" b="1">
+              <a:rPr lang="zh-CN" altLang="en-US" sz="2400" b="1" dirty="0">
                 <a:sym typeface="+mn-ea"/>
               </a:rPr>
               <a:t>Equation (4 - 3) has something interesting to say about the greatest speedan object can have.</a:t>
@@ -18818,7 +17876,7 @@
           </a:p>
           <a:p>
             <a:r>
-              <a:rPr lang="zh-CN" altLang="en-US" sz="2400" b="1">
+              <a:rPr lang="zh-CN" altLang="en-US" sz="2400" b="1" dirty="0">
                 <a:sym typeface="+mn-ea"/>
               </a:rPr>
               <a:t>将来所有的电子设备都得数字化。</a:t>
@@ -18826,7 +17884,7 @@
           </a:p>
           <a:p>
             <a:r>
-              <a:rPr lang="zh-CN" altLang="en-US" sz="2400" b="1">
+              <a:rPr lang="zh-CN" altLang="en-US" sz="2400" b="1" dirty="0">
                 <a:sym typeface="+mn-ea"/>
               </a:rPr>
               <a:t>Everything electronic will be done digitally.</a:t>
@@ -19490,7 +18548,7 @@
           <a:lstStyle/>
           <a:p>
             <a:r>
-              <a:rPr lang="zh-CN" altLang="en-US"/>
+              <a:rPr lang="zh-CN" altLang="en-US" dirty="0"/>
               <a:t>“副词(或数量状语)+形容词”可作后置定语。例如:</a:t>
             </a:r>
           </a:p>
@@ -19519,7 +18577,7 @@
           <a:lstStyle/>
           <a:p>
             <a:r>
-              <a:rPr lang="zh-CN" altLang="en-US" sz="2400" b="1">
+              <a:rPr lang="zh-CN" altLang="en-US" sz="2400" b="1" dirty="0">
                 <a:sym typeface="+mn-ea"/>
               </a:rPr>
               <a:t>请给我拿一根10米的导线。</a:t>
@@ -19527,7 +18585,7 @@
           </a:p>
           <a:p>
             <a:r>
-              <a:rPr lang="zh-CN" altLang="en-US" sz="2400" b="1">
+              <a:rPr lang="zh-CN" altLang="en-US" sz="2400" b="1" dirty="0">
                 <a:sym typeface="+mn-ea"/>
               </a:rPr>
               <a:t>Please fetch me a wire ten meters long.</a:t>
@@ -19535,7 +18593,7 @@
           </a:p>
           <a:p>
             <a:r>
-              <a:rPr lang="zh-CN" altLang="en-US" sz="2400" b="1">
+              <a:rPr lang="zh-CN" altLang="en-US" sz="2400" b="1" dirty="0">
                 <a:sym typeface="+mn-ea"/>
               </a:rPr>
               <a:t>第14,15章讨论它们的电、磁特性,这些特性往往是极为重要的。</a:t>
@@ -19543,19 +18601,19 @@
           </a:p>
           <a:p>
             <a:r>
-              <a:rPr lang="zh-CN" altLang="en-US" sz="2400" b="1">
+              <a:rPr lang="zh-CN" altLang="en-US" sz="2400" b="1" dirty="0">
                 <a:sym typeface="+mn-ea"/>
               </a:rPr>
               <a:t>Their electrical and magnetic properties, often</a:t>
             </a:r>
             <a:r>
-              <a:rPr lang="en-US" altLang="zh-CN" sz="2400" b="1">
+              <a:rPr lang="en-US" altLang="zh-CN" sz="2400" b="1" dirty="0">
                 <a:sym typeface="+mn-ea"/>
               </a:rPr>
               <a:t> </a:t>
             </a:r>
             <a:r>
-              <a:rPr lang="zh-CN" altLang="en-US" sz="2400" b="1">
+              <a:rPr lang="zh-CN" altLang="en-US" sz="2400" b="1" dirty="0">
                 <a:sym typeface="+mn-ea"/>
               </a:rPr>
               <a:t>paramount（重要的）, are discussed in Chapters 14 and 15.</a:t>
@@ -19563,7 +18621,7 @@
           </a:p>
           <a:p>
             <a:r>
-              <a:rPr lang="zh-CN" altLang="en-US" sz="2400" b="1">
+              <a:rPr lang="zh-CN" altLang="en-US" sz="2400" b="1" dirty="0">
                 <a:sym typeface="+mn-ea"/>
               </a:rPr>
               <a:t>如果皮带为8英寸宽或更宽的话,则使用本栏中的第二个数字。</a:t>
@@ -19571,19 +18629,19 @@
           </a:p>
           <a:p>
             <a:r>
-              <a:rPr lang="zh-CN" altLang="en-US" sz="2400" b="1">
+              <a:rPr lang="zh-CN" altLang="en-US" sz="2400" b="1" dirty="0">
                 <a:sym typeface="+mn-ea"/>
               </a:rPr>
               <a:t>For belts 8 inches wide and over, use the second figure of</a:t>
             </a:r>
             <a:r>
-              <a:rPr lang="en-US" altLang="zh-CN" sz="2400" b="1">
+              <a:rPr lang="en-US" altLang="zh-CN" sz="2400" b="1" dirty="0">
                 <a:sym typeface="+mn-ea"/>
               </a:rPr>
               <a:t> </a:t>
             </a:r>
             <a:r>
-              <a:rPr lang="zh-CN" altLang="en-US" sz="2400" b="1">
+              <a:rPr lang="zh-CN" altLang="en-US" sz="2400" b="1" dirty="0">
                 <a:sym typeface="+mn-ea"/>
               </a:rPr>
               <a:t>the column.</a:t>
@@ -20142,7 +19200,7 @@
         </p:nvSpPr>
         <p:spPr>
           <a:xfrm>
-            <a:off x="285750" y="530543"/>
+            <a:off x="857250" y="582279"/>
             <a:ext cx="4446270" cy="521970"/>
           </a:xfrm>
           <a:prstGeom prst="rect">
@@ -20247,7 +19305,7 @@
           <a:lstStyle/>
           <a:p>
             <a:r>
-              <a:rPr lang="zh-CN" altLang="en-US"/>
+              <a:rPr lang="zh-CN" altLang="en-US" dirty="0"/>
               <a:t>两个形容词作定语的情况:在由and或both... and (概既….....…以及or或either..or (无论.…….还是...../或是..或是..连接的两个形容词可作后置定语。例如:</a:t>
             </a:r>
           </a:p>
@@ -20276,7 +19334,7 @@
           <a:lstStyle/>
           <a:p>
             <a:r>
-              <a:rPr lang="zh-CN" altLang="en-US" sz="2400" b="1">
+              <a:rPr lang="zh-CN" altLang="en-US" sz="2400" b="1" dirty="0">
                 <a:sym typeface="+mn-ea"/>
               </a:rPr>
               <a:t>所有大大小小的发动机，都按照这一原理工作。</a:t>
@@ -20284,7 +19342,7 @@
           </a:p>
           <a:p>
             <a:r>
-              <a:rPr lang="zh-CN" altLang="en-US" sz="2400" b="1">
+              <a:rPr lang="zh-CN" altLang="en-US" sz="2400" b="1" dirty="0">
                 <a:sym typeface="+mn-ea"/>
               </a:rPr>
               <a:t>All the engines, large or small, work on this principle.</a:t>
@@ -20292,7 +19350,7 @@
           </a:p>
           <a:p>
             <a:r>
-              <a:rPr lang="zh-CN" altLang="en-US" sz="2400" b="1">
+              <a:rPr lang="zh-CN" altLang="en-US" sz="2400" b="1" dirty="0">
                 <a:sym typeface="+mn-ea"/>
               </a:rPr>
               <a:t>电流等于电源电动势除以电路的总电阻，既包括外电阻也包括内电阻。</a:t>
@@ -20300,19 +19358,19 @@
           </a:p>
           <a:p>
             <a:r>
-              <a:rPr lang="zh-CN" altLang="en-US" sz="2400" b="1">
+              <a:rPr lang="zh-CN" altLang="en-US" sz="2400" b="1" dirty="0">
                 <a:sym typeface="+mn-ea"/>
               </a:rPr>
               <a:t>The current equals the source emf（电动势） divided by the total circuit resistance, external and</a:t>
             </a:r>
             <a:r>
-              <a:rPr lang="en-US" altLang="zh-CN" sz="2400" b="1">
+              <a:rPr lang="en-US" altLang="zh-CN" sz="2400" b="1" dirty="0">
                 <a:sym typeface="+mn-ea"/>
               </a:rPr>
               <a:t> </a:t>
             </a:r>
             <a:r>
-              <a:rPr lang="zh-CN" altLang="en-US" sz="2400" b="1">
+              <a:rPr lang="zh-CN" altLang="en-US" sz="2400" b="1" dirty="0">
                 <a:sym typeface="+mn-ea"/>
               </a:rPr>
               <a:t>internal.</a:t>
@@ -20320,7 +19378,7 @@
           </a:p>
           <a:p>
             <a:r>
-              <a:rPr lang="zh-CN" altLang="en-US" sz="2400" b="1">
+              <a:rPr lang="zh-CN" altLang="en-US" sz="2400" b="1" dirty="0">
                 <a:sym typeface="+mn-ea"/>
               </a:rPr>
               <a:t>这个幂的规则适用于一切有理数，包括正的和负的。</a:t>
@@ -20328,7 +19386,7 @@
           </a:p>
           <a:p>
             <a:r>
-              <a:rPr lang="zh-CN" altLang="en-US" sz="2400" b="1">
+              <a:rPr lang="zh-CN" altLang="en-US" sz="2400" b="1" dirty="0">
                 <a:sym typeface="+mn-ea"/>
               </a:rPr>
               <a:t>The power rule can be used for all rational exponents（有理数）, positive and negative.</a:t>
@@ -20336,7 +19394,7 @@
           </a:p>
           <a:p>
             <a:r>
-              <a:rPr lang="zh-CN" altLang="en-US" sz="2400" b="1">
+              <a:rPr lang="zh-CN" altLang="en-US" sz="2400" b="1" dirty="0">
                 <a:sym typeface="+mn-ea"/>
               </a:rPr>
               <a:t>中子既不带正电，也不带负电.</a:t>
@@ -20344,7 +19402,7 @@
           </a:p>
           <a:p>
             <a:r>
-              <a:rPr lang="zh-CN" altLang="en-US" sz="2400" b="1">
+              <a:rPr lang="zh-CN" altLang="en-US" sz="2400" b="1" dirty="0">
                 <a:sym typeface="+mn-ea"/>
               </a:rPr>
               <a:t>A neutron carries no electronic charge, neither positive nor negative.</a:t>
